--- a/001/가이드문서/Assuretee.pptx
+++ b/001/가이드문서/Assuretee.pptx
@@ -111,6 +111,11 @@
       </a:defRPr>
     </a:lvl9pPr>
   </p:defaultTextStyle>
+  <p:extLst>
+    <p:ext uri="{EFAFB233-063F-42B5-8137-9DF3F51BA10A}">
+      <p15:sldGuideLst xmlns:p15="http://schemas.microsoft.com/office/powerpoint/2012/main"/>
+    </p:ext>
+  </p:extLst>
 </p:presentation>
 </file>
 
@@ -256,7 +261,7 @@
           <a:p>
             <a:fld id="{49A323E3-AF48-4C00-8436-92C82159441B}" type="datetimeFigureOut">
               <a:rPr lang="ko-KR" altLang="en-US" smtClean="0"/>
-              <a:t>2022-08-08</a:t>
+              <a:t>2022-08-09</a:t>
             </a:fld>
             <a:endParaRPr lang="ko-KR" altLang="en-US"/>
           </a:p>
@@ -426,7 +431,7 @@
           <a:p>
             <a:fld id="{49A323E3-AF48-4C00-8436-92C82159441B}" type="datetimeFigureOut">
               <a:rPr lang="ko-KR" altLang="en-US" smtClean="0"/>
-              <a:t>2022-08-08</a:t>
+              <a:t>2022-08-09</a:t>
             </a:fld>
             <a:endParaRPr lang="ko-KR" altLang="en-US"/>
           </a:p>
@@ -606,7 +611,7 @@
           <a:p>
             <a:fld id="{49A323E3-AF48-4C00-8436-92C82159441B}" type="datetimeFigureOut">
               <a:rPr lang="ko-KR" altLang="en-US" smtClean="0"/>
-              <a:t>2022-08-08</a:t>
+              <a:t>2022-08-09</a:t>
             </a:fld>
             <a:endParaRPr lang="ko-KR" altLang="en-US"/>
           </a:p>
@@ -836,7 +841,7 @@
           <a:p>
             <a:fld id="{49A323E3-AF48-4C00-8436-92C82159441B}" type="datetimeFigureOut">
               <a:rPr lang="ko-KR" altLang="en-US" smtClean="0"/>
-              <a:t>2022-08-08</a:t>
+              <a:t>2022-08-09</a:t>
             </a:fld>
             <a:endParaRPr lang="ko-KR" altLang="en-US"/>
           </a:p>
@@ -1161,7 +1166,7 @@
           <a:p>
             <a:fld id="{49A323E3-AF48-4C00-8436-92C82159441B}" type="datetimeFigureOut">
               <a:rPr lang="ko-KR" altLang="en-US" smtClean="0"/>
-              <a:t>2022-08-08</a:t>
+              <a:t>2022-08-09</a:t>
             </a:fld>
             <a:endParaRPr lang="ko-KR" altLang="en-US"/>
           </a:p>
@@ -1438,7 +1443,7 @@
           <a:p>
             <a:fld id="{49A323E3-AF48-4C00-8436-92C82159441B}" type="datetimeFigureOut">
               <a:rPr lang="ko-KR" altLang="en-US" smtClean="0"/>
-              <a:t>2022-08-08</a:t>
+              <a:t>2022-08-09</a:t>
             </a:fld>
             <a:endParaRPr lang="ko-KR" altLang="en-US"/>
           </a:p>
@@ -1832,7 +1837,7 @@
           <a:p>
             <a:fld id="{49A323E3-AF48-4C00-8436-92C82159441B}" type="datetimeFigureOut">
               <a:rPr lang="ko-KR" altLang="en-US" smtClean="0"/>
-              <a:t>2022-08-08</a:t>
+              <a:t>2022-08-09</a:t>
             </a:fld>
             <a:endParaRPr lang="ko-KR" altLang="en-US"/>
           </a:p>
@@ -2309,7 +2314,7 @@
           <a:p>
             <a:fld id="{49A323E3-AF48-4C00-8436-92C82159441B}" type="datetimeFigureOut">
               <a:rPr lang="ko-KR" altLang="en-US" smtClean="0"/>
-              <a:t>2022-08-08</a:t>
+              <a:t>2022-08-09</a:t>
             </a:fld>
             <a:endParaRPr lang="ko-KR" altLang="en-US"/>
           </a:p>
@@ -2427,7 +2432,7 @@
           <a:p>
             <a:fld id="{49A323E3-AF48-4C00-8436-92C82159441B}" type="datetimeFigureOut">
               <a:rPr lang="ko-KR" altLang="en-US" smtClean="0"/>
-              <a:t>2022-08-08</a:t>
+              <a:t>2022-08-09</a:t>
             </a:fld>
             <a:endParaRPr lang="ko-KR" altLang="en-US"/>
           </a:p>
@@ -2522,7 +2527,7 @@
           <a:p>
             <a:fld id="{49A323E3-AF48-4C00-8436-92C82159441B}" type="datetimeFigureOut">
               <a:rPr lang="ko-KR" altLang="en-US" smtClean="0"/>
-              <a:t>2022-08-08</a:t>
+              <a:t>2022-08-09</a:t>
             </a:fld>
             <a:endParaRPr lang="ko-KR" altLang="en-US"/>
           </a:p>
@@ -2868,7 +2873,7 @@
           <a:p>
             <a:fld id="{49A323E3-AF48-4C00-8436-92C82159441B}" type="datetimeFigureOut">
               <a:rPr lang="ko-KR" altLang="en-US" smtClean="0"/>
-              <a:t>2022-08-08</a:t>
+              <a:t>2022-08-09</a:t>
             </a:fld>
             <a:endParaRPr lang="ko-KR" altLang="en-US"/>
           </a:p>
@@ -3102,7 +3107,7 @@
           <a:p>
             <a:fld id="{49A323E3-AF48-4C00-8436-92C82159441B}" type="datetimeFigureOut">
               <a:rPr lang="ko-KR" altLang="en-US" smtClean="0"/>
-              <a:t>2022-08-08</a:t>
+              <a:t>2022-08-09</a:t>
             </a:fld>
             <a:endParaRPr lang="ko-KR" altLang="en-US"/>
           </a:p>
@@ -3426,7 +3431,7 @@
           <a:p>
             <a:fld id="{49A323E3-AF48-4C00-8436-92C82159441B}" type="datetimeFigureOut">
               <a:rPr lang="ko-KR" altLang="en-US" smtClean="0"/>
-              <a:t>2022-08-08</a:t>
+              <a:t>2022-08-09</a:t>
             </a:fld>
             <a:endParaRPr lang="ko-KR" altLang="en-US"/>
           </a:p>
@@ -3665,7 +3670,7 @@
           <a:p>
             <a:fld id="{49A323E3-AF48-4C00-8436-92C82159441B}" type="datetimeFigureOut">
               <a:rPr lang="ko-KR" altLang="en-US" smtClean="0"/>
-              <a:t>2022-08-08</a:t>
+              <a:t>2022-08-09</a:t>
             </a:fld>
             <a:endParaRPr lang="ko-KR" altLang="en-US"/>
           </a:p>
@@ -3845,7 +3850,7 @@
           <a:p>
             <a:fld id="{49A323E3-AF48-4C00-8436-92C82159441B}" type="datetimeFigureOut">
               <a:rPr lang="ko-KR" altLang="en-US" smtClean="0"/>
-              <a:t>2022-08-08</a:t>
+              <a:t>2022-08-09</a:t>
             </a:fld>
             <a:endParaRPr lang="ko-KR" altLang="en-US"/>
           </a:p>
@@ -4096,7 +4101,7 @@
           <a:p>
             <a:fld id="{49A323E3-AF48-4C00-8436-92C82159441B}" type="datetimeFigureOut">
               <a:rPr lang="ko-KR" altLang="en-US" smtClean="0"/>
-              <a:t>2022-08-08</a:t>
+              <a:t>2022-08-09</a:t>
             </a:fld>
             <a:endParaRPr lang="ko-KR" altLang="en-US"/>
           </a:p>
@@ -4328,7 +4333,7 @@
           <a:p>
             <a:fld id="{49A323E3-AF48-4C00-8436-92C82159441B}" type="datetimeFigureOut">
               <a:rPr lang="ko-KR" altLang="en-US" smtClean="0"/>
-              <a:t>2022-08-08</a:t>
+              <a:t>2022-08-09</a:t>
             </a:fld>
             <a:endParaRPr lang="ko-KR" altLang="en-US"/>
           </a:p>
@@ -4675,7 +4680,7 @@
           <a:p>
             <a:fld id="{49A323E3-AF48-4C00-8436-92C82159441B}" type="datetimeFigureOut">
               <a:rPr lang="ko-KR" altLang="en-US" smtClean="0"/>
-              <a:t>2022-08-08</a:t>
+              <a:t>2022-08-09</a:t>
             </a:fld>
             <a:endParaRPr lang="ko-KR" altLang="en-US"/>
           </a:p>
@@ -4793,7 +4798,7 @@
           <a:p>
             <a:fld id="{49A323E3-AF48-4C00-8436-92C82159441B}" type="datetimeFigureOut">
               <a:rPr lang="ko-KR" altLang="en-US" smtClean="0"/>
-              <a:t>2022-08-08</a:t>
+              <a:t>2022-08-09</a:t>
             </a:fld>
             <a:endParaRPr lang="ko-KR" altLang="en-US"/>
           </a:p>
@@ -4911,7 +4916,7 @@
           <a:p>
             <a:fld id="{49A323E3-AF48-4C00-8436-92C82159441B}" type="datetimeFigureOut">
               <a:rPr lang="ko-KR" altLang="en-US" smtClean="0"/>
-              <a:t>2022-08-08</a:t>
+              <a:t>2022-08-09</a:t>
             </a:fld>
             <a:endParaRPr lang="ko-KR" altLang="en-US"/>
           </a:p>
@@ -5195,7 +5200,7 @@
           <a:p>
             <a:fld id="{49A323E3-AF48-4C00-8436-92C82159441B}" type="datetimeFigureOut">
               <a:rPr lang="ko-KR" altLang="en-US" smtClean="0"/>
-              <a:t>2022-08-08</a:t>
+              <a:t>2022-08-09</a:t>
             </a:fld>
             <a:endParaRPr lang="ko-KR" altLang="en-US"/>
           </a:p>
@@ -5459,7 +5464,7 @@
           <a:p>
             <a:fld id="{49A323E3-AF48-4C00-8436-92C82159441B}" type="datetimeFigureOut">
               <a:rPr lang="ko-KR" altLang="en-US" smtClean="0"/>
-              <a:t>2022-08-08</a:t>
+              <a:t>2022-08-09</a:t>
             </a:fld>
             <a:endParaRPr lang="ko-KR" altLang="en-US"/>
           </a:p>
@@ -5673,7 +5678,7 @@
           <a:p>
             <a:fld id="{49A323E3-AF48-4C00-8436-92C82159441B}" type="datetimeFigureOut">
               <a:rPr lang="ko-KR" altLang="en-US" smtClean="0"/>
-              <a:t>2022-08-08</a:t>
+              <a:t>2022-08-09</a:t>
             </a:fld>
             <a:endParaRPr lang="ko-KR" altLang="en-US"/>
           </a:p>
@@ -6203,7 +6208,7 @@
           <a:p>
             <a:fld id="{49A323E3-AF48-4C00-8436-92C82159441B}" type="datetimeFigureOut">
               <a:rPr lang="ko-KR" altLang="en-US" smtClean="0"/>
-              <a:t>2022-08-08</a:t>
+              <a:t>2022-08-09</a:t>
             </a:fld>
             <a:endParaRPr lang="ko-KR" altLang="en-US"/>
           </a:p>
@@ -6855,7 +6860,10 @@
           <a:lstStyle/>
           <a:p>
             <a:r>
-              <a:rPr lang="ko-KR" altLang="en-US" dirty="0"/>
+              <a:rPr lang="ko-KR" altLang="en-US" dirty="0">
+                <a:latin typeface="맑은 고딕" panose="020B0503020000020004" pitchFamily="50" charset="-127"/>
+                <a:ea typeface="맑은 고딕" panose="020B0503020000020004" pitchFamily="50" charset="-127"/>
+              </a:rPr>
               <a:t>목차</a:t>
             </a:r>
           </a:p>
@@ -6894,7 +6902,10 @@
                 <a:spcPct val="200000"/>
               </a:lnSpc>
             </a:pPr>
-            <a:endParaRPr lang="en-US" altLang="ko-KR" dirty="0"/>
+            <a:endParaRPr lang="en-US" altLang="ko-KR" dirty="0">
+              <a:latin typeface="맑은 고딕" panose="020B0503020000020004" pitchFamily="50" charset="-127"/>
+              <a:ea typeface="맑은 고딕" panose="020B0503020000020004" pitchFamily="50" charset="-127"/>
+            </a:endParaRPr>
           </a:p>
           <a:p>
             <a:pPr>
@@ -6903,14 +6914,23 @@
               </a:lnSpc>
             </a:pPr>
             <a:r>
-              <a:rPr lang="en-US" altLang="ko-KR" dirty="0"/>
+              <a:rPr lang="en-US" altLang="ko-KR" dirty="0">
+                <a:latin typeface="맑은 고딕" panose="020B0503020000020004" pitchFamily="50" charset="-127"/>
+                <a:ea typeface="맑은 고딕" panose="020B0503020000020004" pitchFamily="50" charset="-127"/>
+              </a:rPr>
               <a:t>1. </a:t>
             </a:r>
             <a:r>
-              <a:rPr lang="ko-KR" altLang="en-US" dirty="0"/>
+              <a:rPr lang="ko-KR" altLang="en-US" dirty="0">
+                <a:latin typeface="맑은 고딕" panose="020B0503020000020004" pitchFamily="50" charset="-127"/>
+                <a:ea typeface="맑은 고딕" panose="020B0503020000020004" pitchFamily="50" charset="-127"/>
+              </a:rPr>
               <a:t>사이트 선정</a:t>
             </a:r>
-            <a:endParaRPr lang="en-US" altLang="ko-KR" dirty="0"/>
+            <a:endParaRPr lang="en-US" altLang="ko-KR" dirty="0">
+              <a:latin typeface="맑은 고딕" panose="020B0503020000020004" pitchFamily="50" charset="-127"/>
+              <a:ea typeface="맑은 고딕" panose="020B0503020000020004" pitchFamily="50" charset="-127"/>
+            </a:endParaRPr>
           </a:p>
           <a:p>
             <a:pPr>
@@ -6919,14 +6939,23 @@
               </a:lnSpc>
             </a:pPr>
             <a:r>
-              <a:rPr lang="en-US" altLang="ko-KR" dirty="0"/>
+              <a:rPr lang="en-US" altLang="ko-KR" dirty="0">
+                <a:latin typeface="맑은 고딕" panose="020B0503020000020004" pitchFamily="50" charset="-127"/>
+                <a:ea typeface="맑은 고딕" panose="020B0503020000020004" pitchFamily="50" charset="-127"/>
+              </a:rPr>
               <a:t>2. </a:t>
             </a:r>
             <a:r>
-              <a:rPr lang="ko-KR" altLang="en-US" dirty="0"/>
+              <a:rPr lang="ko-KR" altLang="en-US" dirty="0">
+                <a:latin typeface="맑은 고딕" panose="020B0503020000020004" pitchFamily="50" charset="-127"/>
+                <a:ea typeface="맑은 고딕" panose="020B0503020000020004" pitchFamily="50" charset="-127"/>
+              </a:rPr>
               <a:t>제작 목적 및 사이트선정 이유</a:t>
             </a:r>
-            <a:endParaRPr lang="en-US" altLang="ko-KR" dirty="0"/>
+            <a:endParaRPr lang="en-US" altLang="ko-KR" dirty="0">
+              <a:latin typeface="맑은 고딕" panose="020B0503020000020004" pitchFamily="50" charset="-127"/>
+              <a:ea typeface="맑은 고딕" panose="020B0503020000020004" pitchFamily="50" charset="-127"/>
+            </a:endParaRPr>
           </a:p>
           <a:p>
             <a:pPr>
@@ -6935,14 +6964,23 @@
               </a:lnSpc>
             </a:pPr>
             <a:r>
-              <a:rPr lang="en-US" altLang="ko-KR" dirty="0"/>
+              <a:rPr lang="en-US" altLang="ko-KR" dirty="0">
+                <a:latin typeface="맑은 고딕" panose="020B0503020000020004" pitchFamily="50" charset="-127"/>
+                <a:ea typeface="맑은 고딕" panose="020B0503020000020004" pitchFamily="50" charset="-127"/>
+              </a:rPr>
               <a:t>3. </a:t>
             </a:r>
             <a:r>
-              <a:rPr lang="ko-KR" altLang="en-US" dirty="0"/>
+              <a:rPr lang="ko-KR" altLang="en-US" dirty="0">
+                <a:latin typeface="맑은 고딕" panose="020B0503020000020004" pitchFamily="50" charset="-127"/>
+                <a:ea typeface="맑은 고딕" panose="020B0503020000020004" pitchFamily="50" charset="-127"/>
+              </a:rPr>
               <a:t>제작 기법</a:t>
             </a:r>
-            <a:endParaRPr lang="en-US" altLang="ko-KR" dirty="0"/>
+            <a:endParaRPr lang="en-US" altLang="ko-KR" dirty="0">
+              <a:latin typeface="맑은 고딕" panose="020B0503020000020004" pitchFamily="50" charset="-127"/>
+              <a:ea typeface="맑은 고딕" panose="020B0503020000020004" pitchFamily="50" charset="-127"/>
+            </a:endParaRPr>
           </a:p>
           <a:p>
             <a:pPr>
@@ -6951,7 +6989,10 @@
               </a:lnSpc>
             </a:pPr>
             <a:r>
-              <a:rPr lang="en-US" altLang="ko-KR" dirty="0"/>
+              <a:rPr lang="en-US" altLang="ko-KR" dirty="0">
+                <a:latin typeface="맑은 고딕" panose="020B0503020000020004" pitchFamily="50" charset="-127"/>
+                <a:ea typeface="맑은 고딕" panose="020B0503020000020004" pitchFamily="50" charset="-127"/>
+              </a:rPr>
               <a:t>4. Font &amp; Color</a:t>
             </a:r>
           </a:p>
@@ -6962,11 +7003,17 @@
               </a:lnSpc>
             </a:pPr>
             <a:r>
-              <a:rPr lang="en-US" altLang="ko-KR" dirty="0"/>
+              <a:rPr lang="en-US" altLang="ko-KR" dirty="0">
+                <a:latin typeface="맑은 고딕" panose="020B0503020000020004" pitchFamily="50" charset="-127"/>
+                <a:ea typeface="맑은 고딕" panose="020B0503020000020004" pitchFamily="50" charset="-127"/>
+              </a:rPr>
               <a:t>5. </a:t>
             </a:r>
             <a:r>
-              <a:rPr lang="ko-KR" altLang="en-US" dirty="0"/>
+              <a:rPr lang="ko-KR" altLang="en-US" dirty="0">
+                <a:latin typeface="맑은 고딕" panose="020B0503020000020004" pitchFamily="50" charset="-127"/>
+                <a:ea typeface="맑은 고딕" panose="020B0503020000020004" pitchFamily="50" charset="-127"/>
+              </a:rPr>
               <a:t>레이아웃</a:t>
             </a:r>
           </a:p>
@@ -7024,18 +7071,18 @@
           <a:lstStyle/>
           <a:p>
             <a:r>
-              <a:rPr lang="en-US" altLang="ko-KR" dirty="0"/>
+              <a:rPr lang="en-US" altLang="ko-KR" b="1" dirty="0"/>
               <a:t>1. </a:t>
             </a:r>
             <a:r>
-              <a:rPr lang="ko-KR" altLang="en-US" dirty="0"/>
+              <a:rPr lang="ko-KR" altLang="en-US" b="1" dirty="0"/>
               <a:t>사이트 선정 </a:t>
             </a:r>
             <a:r>
-              <a:rPr lang="en-US" altLang="ko-KR" dirty="0"/>
+              <a:rPr lang="en-US" altLang="ko-KR" b="1" dirty="0"/>
               <a:t>– ASSURETEE.com</a:t>
             </a:r>
-            <a:endParaRPr lang="ko-KR" altLang="en-US" dirty="0"/>
+            <a:endParaRPr lang="ko-KR" altLang="en-US" b="1" dirty="0"/>
           </a:p>
         </p:txBody>
       </p:sp>
@@ -7112,7 +7159,7 @@
         </p:blipFill>
         <p:spPr>
           <a:xfrm>
-            <a:off x="1443844" y="1723936"/>
+            <a:off x="1371600" y="1526087"/>
             <a:ext cx="8505500" cy="4807262"/>
           </a:xfrm>
           <a:prstGeom prst="rect">
@@ -7172,11 +7219,17 @@
           <a:lstStyle/>
           <a:p>
             <a:r>
-              <a:rPr lang="en-US" altLang="ko-KR" dirty="0"/>
+              <a:rPr lang="en-US" altLang="ko-KR" b="1" dirty="0">
+                <a:latin typeface="맑은 고딕" panose="020B0503020000020004" pitchFamily="50" charset="-127"/>
+                <a:ea typeface="맑은 고딕" panose="020B0503020000020004" pitchFamily="50" charset="-127"/>
+              </a:rPr>
               <a:t>2. </a:t>
             </a:r>
             <a:r>
-              <a:rPr lang="ko-KR" altLang="en-US" dirty="0"/>
+              <a:rPr lang="ko-KR" altLang="en-US" b="1" dirty="0">
+                <a:latin typeface="맑은 고딕" panose="020B0503020000020004" pitchFamily="50" charset="-127"/>
+                <a:ea typeface="맑은 고딕" panose="020B0503020000020004" pitchFamily="50" charset="-127"/>
+              </a:rPr>
               <a:t>제작 목적 및 사이트선정 이유</a:t>
             </a:r>
           </a:p>
@@ -7216,11 +7269,17 @@
               </a:lnSpc>
             </a:pPr>
             <a:r>
-              <a:rPr lang="ko-KR" altLang="en-US" dirty="0"/>
-              <a:t>배운 것을 최대한 활용하며 기존 사이트의 응용구현 된 소스들을 본인의 소스들로 전부 다 구현하는 것을 우선 목적으로 두었다</a:t>
-            </a:r>
-            <a:r>
-              <a:rPr lang="en-US" altLang="ko-KR" dirty="0"/>
+              <a:rPr lang="ko-KR" altLang="en-US" dirty="0">
+                <a:latin typeface="맑은 고딕" panose="020B0503020000020004" pitchFamily="50" charset="-127"/>
+                <a:ea typeface="맑은 고딕" panose="020B0503020000020004" pitchFamily="50" charset="-127"/>
+              </a:rPr>
+              <a:t>기존 사이트의 응용구현 된 소스들을 배운 것을 최대한 활용하여 본인의 소스들로 구현하는 것을 우선 목적으로 두었습니다</a:t>
+            </a:r>
+            <a:r>
+              <a:rPr lang="en-US" altLang="ko-KR" dirty="0">
+                <a:latin typeface="맑은 고딕" panose="020B0503020000020004" pitchFamily="50" charset="-127"/>
+                <a:ea typeface="맑은 고딕" panose="020B0503020000020004" pitchFamily="50" charset="-127"/>
+              </a:rPr>
               <a:t>.</a:t>
             </a:r>
           </a:p>
@@ -7231,20 +7290,32 @@
               </a:lnSpc>
             </a:pPr>
             <a:r>
-              <a:rPr lang="ko-KR" altLang="en-US" dirty="0"/>
+              <a:rPr lang="ko-KR" altLang="en-US" dirty="0">
+                <a:latin typeface="맑은 고딕" panose="020B0503020000020004" pitchFamily="50" charset="-127"/>
+                <a:ea typeface="맑은 고딕" panose="020B0503020000020004" pitchFamily="50" charset="-127"/>
+              </a:rPr>
               <a:t>해당 사이트는 </a:t>
             </a:r>
             <a:r>
-              <a:rPr lang="en-US" altLang="ko-KR" dirty="0"/>
+              <a:rPr lang="en-US" altLang="ko-KR" dirty="0">
+                <a:latin typeface="맑은 고딕" panose="020B0503020000020004" pitchFamily="50" charset="-127"/>
+                <a:ea typeface="맑은 고딕" panose="020B0503020000020004" pitchFamily="50" charset="-127"/>
+              </a:rPr>
               <a:t>2021</a:t>
             </a:r>
             <a:r>
-              <a:rPr lang="ko-KR" altLang="en-US" dirty="0"/>
+              <a:rPr lang="ko-KR" altLang="en-US" dirty="0">
+                <a:latin typeface="맑은 고딕" panose="020B0503020000020004" pitchFamily="50" charset="-127"/>
+                <a:ea typeface="맑은 고딕" panose="020B0503020000020004" pitchFamily="50" charset="-127"/>
+              </a:rPr>
               <a:t>년 </a:t>
             </a:r>
             <a:r>
-              <a:rPr lang="en-US" altLang="ko-KR" dirty="0"/>
-              <a:t>GDWEB DESIGN AWARD FINALIST </a:t>
+              <a:rPr lang="en-US" altLang="ko-KR" dirty="0">
+                <a:latin typeface="맑은 고딕" panose="020B0503020000020004" pitchFamily="50" charset="-127"/>
+                <a:ea typeface="맑은 고딕" panose="020B0503020000020004" pitchFamily="50" charset="-127"/>
+              </a:rPr>
+              <a:t>GDWEB DESIGN AWARD </a:t>
             </a:r>
             <a:r>
               <a:rPr lang="en-US" altLang="ko-KR" b="1" i="0" dirty="0">
@@ -7252,7 +7323,8 @@
                   <a:srgbClr val="000000"/>
                 </a:solidFill>
                 <a:effectLst/>
-                <a:latin typeface="Noto Sans KR"/>
+                <a:latin typeface="맑은 고딕" panose="020B0503020000020004" pitchFamily="50" charset="-127"/>
+                <a:ea typeface="맑은 고딕" panose="020B0503020000020004" pitchFamily="50" charset="-127"/>
               </a:rPr>
               <a:t>WINNER PRIZE </a:t>
             </a:r>
@@ -7262,32 +7334,58 @@
                   <a:srgbClr val="000000"/>
                 </a:solidFill>
                 <a:effectLst/>
-                <a:latin typeface="Noto Sans KR"/>
+                <a:latin typeface="맑은 고딕" panose="020B0503020000020004" pitchFamily="50" charset="-127"/>
+                <a:ea typeface="맑은 고딕" panose="020B0503020000020004" pitchFamily="50" charset="-127"/>
               </a:rPr>
               <a:t>수상</a:t>
             </a:r>
             <a:r>
-              <a:rPr lang="ko-KR" altLang="en-US" dirty="0"/>
-              <a:t>작이며</a:t>
-            </a:r>
-            <a:r>
-              <a:rPr lang="en-US" altLang="ko-KR" dirty="0"/>
+              <a:rPr lang="ko-KR" altLang="en-US" b="1" dirty="0">
+                <a:latin typeface="맑은 고딕" panose="020B0503020000020004" pitchFamily="50" charset="-127"/>
+                <a:ea typeface="맑은 고딕" panose="020B0503020000020004" pitchFamily="50" charset="-127"/>
+              </a:rPr>
+              <a:t>작</a:t>
+            </a:r>
+            <a:r>
+              <a:rPr lang="ko-KR" altLang="en-US" dirty="0">
+                <a:latin typeface="맑은 고딕" panose="020B0503020000020004" pitchFamily="50" charset="-127"/>
+                <a:ea typeface="맑은 고딕" panose="020B0503020000020004" pitchFamily="50" charset="-127"/>
+              </a:rPr>
+              <a:t>이며</a:t>
+            </a:r>
+            <a:r>
+              <a:rPr lang="en-US" altLang="ko-KR" dirty="0">
+                <a:latin typeface="맑은 고딕" panose="020B0503020000020004" pitchFamily="50" charset="-127"/>
+                <a:ea typeface="맑은 고딕" panose="020B0503020000020004" pitchFamily="50" charset="-127"/>
+              </a:rPr>
               <a:t>, </a:t>
             </a:r>
             <a:r>
-              <a:rPr lang="ko-KR" altLang="en-US" dirty="0"/>
+              <a:rPr lang="ko-KR" altLang="en-US" dirty="0">
+                <a:latin typeface="맑은 고딕" panose="020B0503020000020004" pitchFamily="50" charset="-127"/>
+                <a:ea typeface="맑은 고딕" panose="020B0503020000020004" pitchFamily="50" charset="-127"/>
+              </a:rPr>
               <a:t> 디자인과 사용성을 고루 갖춘 사이트로 판단하여</a:t>
             </a:r>
             <a:r>
-              <a:rPr lang="en-US" altLang="ko-KR" dirty="0"/>
+              <a:rPr lang="en-US" altLang="ko-KR" dirty="0">
+                <a:latin typeface="맑은 고딕" panose="020B0503020000020004" pitchFamily="50" charset="-127"/>
+                <a:ea typeface="맑은 고딕" panose="020B0503020000020004" pitchFamily="50" charset="-127"/>
+              </a:rPr>
               <a:t> </a:t>
             </a:r>
             <a:r>
-              <a:rPr lang="ko-KR" altLang="en-US" dirty="0"/>
-              <a:t>선정하게 되었다</a:t>
-            </a:r>
-            <a:r>
-              <a:rPr lang="en-US" altLang="ko-KR" dirty="0"/>
+              <a:rPr lang="ko-KR" altLang="en-US" dirty="0">
+                <a:latin typeface="맑은 고딕" panose="020B0503020000020004" pitchFamily="50" charset="-127"/>
+                <a:ea typeface="맑은 고딕" panose="020B0503020000020004" pitchFamily="50" charset="-127"/>
+              </a:rPr>
+              <a:t>선정하게 되었습니다</a:t>
+            </a:r>
+            <a:r>
+              <a:rPr lang="en-US" altLang="ko-KR" dirty="0">
+                <a:latin typeface="맑은 고딕" panose="020B0503020000020004" pitchFamily="50" charset="-127"/>
+                <a:ea typeface="맑은 고딕" panose="020B0503020000020004" pitchFamily="50" charset="-127"/>
+              </a:rPr>
               <a:t>.</a:t>
             </a:r>
           </a:p>
@@ -7297,7 +7395,10 @@
                 <a:spcPct val="200000"/>
               </a:lnSpc>
             </a:pPr>
-            <a:endParaRPr lang="en-US" altLang="ko-KR" dirty="0"/>
+            <a:endParaRPr lang="en-US" altLang="ko-KR" dirty="0">
+              <a:latin typeface="맑은 고딕" panose="020B0503020000020004" pitchFamily="50" charset="-127"/>
+              <a:ea typeface="맑은 고딕" panose="020B0503020000020004" pitchFamily="50" charset="-127"/>
+            </a:endParaRPr>
           </a:p>
           <a:p>
             <a:pPr>
@@ -7305,7 +7406,10 @@
                 <a:spcPct val="200000"/>
               </a:lnSpc>
             </a:pPr>
-            <a:endParaRPr lang="en-US" altLang="ko-KR" dirty="0"/>
+            <a:endParaRPr lang="en-US" altLang="ko-KR" dirty="0">
+              <a:latin typeface="맑은 고딕" panose="020B0503020000020004" pitchFamily="50" charset="-127"/>
+              <a:ea typeface="맑은 고딕" panose="020B0503020000020004" pitchFamily="50" charset="-127"/>
+            </a:endParaRPr>
           </a:p>
           <a:p>
             <a:pPr>
@@ -7313,7 +7417,10 @@
                 <a:spcPct val="200000"/>
               </a:lnSpc>
             </a:pPr>
-            <a:endParaRPr lang="ko-KR" altLang="en-US" dirty="0"/>
+            <a:endParaRPr lang="ko-KR" altLang="en-US" dirty="0">
+              <a:latin typeface="맑은 고딕" panose="020B0503020000020004" pitchFamily="50" charset="-127"/>
+              <a:ea typeface="맑은 고딕" panose="020B0503020000020004" pitchFamily="50" charset="-127"/>
+            </a:endParaRPr>
           </a:p>
         </p:txBody>
       </p:sp>
@@ -7332,7 +7439,7 @@
           <p:nvPr>
             <p:extLst>
               <p:ext uri="{D42A27DB-BD31-4B8C-83A1-F6EECF244321}">
-                <p14:modId xmlns:p14="http://schemas.microsoft.com/office/powerpoint/2010/main" val="2769726740"/>
+                <p14:modId xmlns:p14="http://schemas.microsoft.com/office/powerpoint/2010/main" val="1912778748"/>
               </p:ext>
             </p:extLst>
           </p:nvPr>
@@ -7371,7 +7478,10 @@
                     <a:p>
                       <a:pPr algn="ctr" latinLnBrk="1"/>
                       <a:r>
-                        <a:rPr lang="ko-KR" altLang="en-US" dirty="0"/>
+                        <a:rPr lang="ko-KR" altLang="en-US" dirty="0">
+                          <a:latin typeface="맑은 고딕" panose="020B0503020000020004" pitchFamily="50" charset="-127"/>
+                          <a:ea typeface="맑은 고딕" panose="020B0503020000020004" pitchFamily="50" charset="-127"/>
+                        </a:rPr>
                         <a:t>참여도</a:t>
                       </a:r>
                     </a:p>
@@ -7392,7 +7502,10 @@
                     <a:p>
                       <a:pPr algn="ctr" latinLnBrk="1"/>
                       <a:r>
-                        <a:rPr lang="ko-KR" altLang="en-US" dirty="0"/>
+                        <a:rPr lang="ko-KR" altLang="en-US" dirty="0">
+                          <a:latin typeface="맑은 고딕" panose="020B0503020000020004" pitchFamily="50" charset="-127"/>
+                          <a:ea typeface="맑은 고딕" panose="020B0503020000020004" pitchFamily="50" charset="-127"/>
+                        </a:rPr>
                         <a:t>작업일</a:t>
                       </a:r>
                     </a:p>
@@ -7419,15 +7532,24 @@
                     <a:lstStyle/>
                     <a:p>
                       <a:pPr algn="ctr" latinLnBrk="1"/>
-                      <a:endParaRPr lang="en-US" altLang="ko-KR" dirty="0"/>
+                      <a:endParaRPr lang="en-US" altLang="ko-KR" dirty="0">
+                        <a:latin typeface="맑은 고딕" panose="020B0503020000020004" pitchFamily="50" charset="-127"/>
+                        <a:ea typeface="맑은 고딕" panose="020B0503020000020004" pitchFamily="50" charset="-127"/>
+                      </a:endParaRPr>
                     </a:p>
                     <a:p>
                       <a:pPr algn="ctr" latinLnBrk="1"/>
                       <a:r>
-                        <a:rPr lang="en-US" altLang="ko-KR" dirty="0"/>
+                        <a:rPr lang="en-US" altLang="ko-KR" dirty="0">
+                          <a:latin typeface="맑은 고딕" panose="020B0503020000020004" pitchFamily="50" charset="-127"/>
+                          <a:ea typeface="맑은 고딕" panose="020B0503020000020004" pitchFamily="50" charset="-127"/>
+                        </a:rPr>
                         <a:t>100%</a:t>
                       </a:r>
-                      <a:endParaRPr lang="ko-KR" altLang="en-US" dirty="0"/>
+                      <a:endParaRPr lang="ko-KR" altLang="en-US" dirty="0">
+                        <a:latin typeface="맑은 고딕" panose="020B0503020000020004" pitchFamily="50" charset="-127"/>
+                        <a:ea typeface="맑은 고딕" panose="020B0503020000020004" pitchFamily="50" charset="-127"/>
+                      </a:endParaRPr>
                     </a:p>
                   </a:txBody>
                   <a:tcPr/>
@@ -7439,21 +7561,30 @@
                     <a:p>
                       <a:pPr algn="ctr" latinLnBrk="1"/>
                       <a:r>
-                        <a:rPr lang="en-US" altLang="ko-KR" dirty="0"/>
+                        <a:rPr lang="en-US" altLang="ko-KR" dirty="0">
+                          <a:latin typeface="맑은 고딕" panose="020B0503020000020004" pitchFamily="50" charset="-127"/>
+                          <a:ea typeface="맑은 고딕" panose="020B0503020000020004" pitchFamily="50" charset="-127"/>
+                        </a:rPr>
                         <a:t>2022 07.01 </a:t>
                       </a:r>
                     </a:p>
                     <a:p>
                       <a:pPr algn="ctr" latinLnBrk="1"/>
                       <a:r>
-                        <a:rPr lang="en-US" altLang="ko-KR" dirty="0"/>
+                        <a:rPr lang="en-US" altLang="ko-KR" dirty="0">
+                          <a:latin typeface="맑은 고딕" panose="020B0503020000020004" pitchFamily="50" charset="-127"/>
+                          <a:ea typeface="맑은 고딕" panose="020B0503020000020004" pitchFamily="50" charset="-127"/>
+                        </a:rPr>
                         <a:t>~</a:t>
                       </a:r>
                     </a:p>
                     <a:p>
                       <a:pPr algn="ctr" latinLnBrk="1"/>
                       <a:r>
-                        <a:rPr lang="en-US" altLang="ko-KR" dirty="0"/>
+                        <a:rPr lang="en-US" altLang="ko-KR" dirty="0">
+                          <a:latin typeface="맑은 고딕" panose="020B0503020000020004" pitchFamily="50" charset="-127"/>
+                          <a:ea typeface="맑은 고딕" panose="020B0503020000020004" pitchFamily="50" charset="-127"/>
+                        </a:rPr>
                         <a:t>2022.08.06</a:t>
                       </a:r>
                     </a:p>
@@ -7527,11 +7658,17 @@
           <a:lstStyle/>
           <a:p>
             <a:r>
-              <a:rPr lang="en-US" altLang="ko-KR" dirty="0"/>
+              <a:rPr lang="en-US" altLang="ko-KR" b="1" dirty="0">
+                <a:latin typeface="맑은 고딕" panose="020B0503020000020004" pitchFamily="50" charset="-127"/>
+                <a:ea typeface="맑은 고딕" panose="020B0503020000020004" pitchFamily="50" charset="-127"/>
+              </a:rPr>
               <a:t>3. </a:t>
             </a:r>
             <a:r>
-              <a:rPr lang="ko-KR" altLang="en-US" dirty="0"/>
+              <a:rPr lang="ko-KR" altLang="en-US" b="1" dirty="0">
+                <a:latin typeface="맑은 고딕" panose="020B0503020000020004" pitchFamily="50" charset="-127"/>
+                <a:ea typeface="맑은 고딕" panose="020B0503020000020004" pitchFamily="50" charset="-127"/>
+              </a:rPr>
               <a:t>제작 기법</a:t>
             </a:r>
           </a:p>
@@ -7571,23 +7708,38 @@
               </a:lnSpc>
             </a:pPr>
             <a:r>
-              <a:rPr lang="en-US" altLang="ko-KR" dirty="0"/>
+              <a:rPr lang="en-US" altLang="ko-KR" dirty="0">
+                <a:latin typeface="맑은 고딕" panose="020B0503020000020004" pitchFamily="50" charset="-127"/>
+                <a:ea typeface="맑은 고딕" panose="020B0503020000020004" pitchFamily="50" charset="-127"/>
+              </a:rPr>
               <a:t>HTML 5 / CSS 3 / </a:t>
             </a:r>
             <a:r>
-              <a:rPr lang="en-US" altLang="ko-KR" dirty="0" err="1"/>
+              <a:rPr lang="en-US" altLang="ko-KR" dirty="0" err="1">
+                <a:latin typeface="맑은 고딕" panose="020B0503020000020004" pitchFamily="50" charset="-127"/>
+                <a:ea typeface="맑은 고딕" panose="020B0503020000020004" pitchFamily="50" charset="-127"/>
+              </a:rPr>
               <a:t>Javascript</a:t>
             </a:r>
             <a:r>
-              <a:rPr lang="en-US" altLang="ko-KR" dirty="0"/>
+              <a:rPr lang="en-US" altLang="ko-KR" dirty="0">
+                <a:latin typeface="맑은 고딕" panose="020B0503020000020004" pitchFamily="50" charset="-127"/>
+                <a:ea typeface="맑은 고딕" panose="020B0503020000020004" pitchFamily="50" charset="-127"/>
+              </a:rPr>
               <a:t> / </a:t>
             </a:r>
             <a:r>
-              <a:rPr lang="en-US" altLang="ko-KR" dirty="0" err="1"/>
+              <a:rPr lang="en-US" altLang="ko-KR" dirty="0" err="1">
+                <a:latin typeface="맑은 고딕" panose="020B0503020000020004" pitchFamily="50" charset="-127"/>
+                <a:ea typeface="맑은 고딕" panose="020B0503020000020004" pitchFamily="50" charset="-127"/>
+              </a:rPr>
               <a:t>JQuery</a:t>
             </a:r>
             <a:r>
-              <a:rPr lang="en-US" altLang="ko-KR" dirty="0"/>
+              <a:rPr lang="en-US" altLang="ko-KR" dirty="0">
+                <a:latin typeface="맑은 고딕" panose="020B0503020000020004" pitchFamily="50" charset="-127"/>
+                <a:ea typeface="맑은 고딕" panose="020B0503020000020004" pitchFamily="50" charset="-127"/>
+              </a:rPr>
               <a:t> / swipe.js </a:t>
             </a:r>
           </a:p>
@@ -7598,35 +7750,59 @@
               </a:lnSpc>
             </a:pPr>
             <a:r>
-              <a:rPr lang="en-US" altLang="ko-KR" dirty="0"/>
+              <a:rPr lang="en-US" altLang="ko-KR" dirty="0">
+                <a:latin typeface="맑은 고딕" panose="020B0503020000020004" pitchFamily="50" charset="-127"/>
+                <a:ea typeface="맑은 고딕" panose="020B0503020000020004" pitchFamily="50" charset="-127"/>
+              </a:rPr>
               <a:t>HTML 5, CSS 3</a:t>
             </a:r>
             <a:r>
-              <a:rPr lang="ko-KR" altLang="en-US" dirty="0"/>
+              <a:rPr lang="ko-KR" altLang="en-US" dirty="0">
+                <a:latin typeface="맑은 고딕" panose="020B0503020000020004" pitchFamily="50" charset="-127"/>
+                <a:ea typeface="맑은 고딕" panose="020B0503020000020004" pitchFamily="50" charset="-127"/>
+              </a:rPr>
               <a:t>를 이용하여 기본적인 구조와 스타일을 만들었고</a:t>
             </a:r>
             <a:r>
-              <a:rPr lang="en-US" altLang="ko-KR" dirty="0"/>
+              <a:rPr lang="en-US" altLang="ko-KR" dirty="0">
+                <a:latin typeface="맑은 고딕" panose="020B0503020000020004" pitchFamily="50" charset="-127"/>
+                <a:ea typeface="맑은 고딕" panose="020B0503020000020004" pitchFamily="50" charset="-127"/>
+              </a:rPr>
               <a:t>, </a:t>
             </a:r>
             <a:r>
-              <a:rPr lang="en-US" altLang="ko-KR" dirty="0" err="1"/>
+              <a:rPr lang="en-US" altLang="ko-KR" dirty="0" err="1">
+                <a:latin typeface="맑은 고딕" panose="020B0503020000020004" pitchFamily="50" charset="-127"/>
+                <a:ea typeface="맑은 고딕" panose="020B0503020000020004" pitchFamily="50" charset="-127"/>
+              </a:rPr>
               <a:t>Javascript</a:t>
             </a:r>
             <a:r>
-              <a:rPr lang="ko-KR" altLang="en-US" dirty="0"/>
+              <a:rPr lang="ko-KR" altLang="en-US" dirty="0">
+                <a:latin typeface="맑은 고딕" panose="020B0503020000020004" pitchFamily="50" charset="-127"/>
+                <a:ea typeface="맑은 고딕" panose="020B0503020000020004" pitchFamily="50" charset="-127"/>
+              </a:rPr>
               <a:t>와 </a:t>
             </a:r>
             <a:r>
-              <a:rPr lang="en-US" altLang="ko-KR" dirty="0" err="1"/>
+              <a:rPr lang="en-US" altLang="ko-KR" dirty="0" err="1">
+                <a:latin typeface="맑은 고딕" panose="020B0503020000020004" pitchFamily="50" charset="-127"/>
+                <a:ea typeface="맑은 고딕" panose="020B0503020000020004" pitchFamily="50" charset="-127"/>
+              </a:rPr>
               <a:t>JQuery</a:t>
             </a:r>
             <a:r>
-              <a:rPr lang="ko-KR" altLang="en-US" dirty="0"/>
+              <a:rPr lang="ko-KR" altLang="en-US" dirty="0">
+                <a:latin typeface="맑은 고딕" panose="020B0503020000020004" pitchFamily="50" charset="-127"/>
+                <a:ea typeface="맑은 고딕" panose="020B0503020000020004" pitchFamily="50" charset="-127"/>
+              </a:rPr>
               <a:t>를 사용해 다양한 동적인 기능을 구현했습니다</a:t>
             </a:r>
             <a:r>
-              <a:rPr lang="en-US" altLang="ko-KR" dirty="0"/>
+              <a:rPr lang="en-US" altLang="ko-KR" dirty="0">
+                <a:latin typeface="맑은 고딕" panose="020B0503020000020004" pitchFamily="50" charset="-127"/>
+                <a:ea typeface="맑은 고딕" panose="020B0503020000020004" pitchFamily="50" charset="-127"/>
+              </a:rPr>
               <a:t>.</a:t>
             </a:r>
           </a:p>
@@ -7637,23 +7813,38 @@
               </a:lnSpc>
             </a:pPr>
             <a:r>
-              <a:rPr lang="en-US" altLang="ko-KR" dirty="0"/>
+              <a:rPr lang="en-US" altLang="ko-KR" dirty="0">
+                <a:latin typeface="맑은 고딕" panose="020B0503020000020004" pitchFamily="50" charset="-127"/>
+                <a:ea typeface="맑은 고딕" panose="020B0503020000020004" pitchFamily="50" charset="-127"/>
+              </a:rPr>
               <a:t>Swipe.js</a:t>
             </a:r>
             <a:r>
-              <a:rPr lang="ko-KR" altLang="en-US" dirty="0"/>
+              <a:rPr lang="ko-KR" altLang="en-US" dirty="0">
+                <a:latin typeface="맑은 고딕" panose="020B0503020000020004" pitchFamily="50" charset="-127"/>
+                <a:ea typeface="맑은 고딕" panose="020B0503020000020004" pitchFamily="50" charset="-127"/>
+              </a:rPr>
               <a:t>를 이용하여 다양한 </a:t>
             </a:r>
             <a:r>
-              <a:rPr lang="ko-KR" altLang="en-US" dirty="0" err="1"/>
+              <a:rPr lang="ko-KR" altLang="en-US" dirty="0" err="1">
+                <a:latin typeface="맑은 고딕" panose="020B0503020000020004" pitchFamily="50" charset="-127"/>
+                <a:ea typeface="맑은 고딕" panose="020B0503020000020004" pitchFamily="50" charset="-127"/>
+              </a:rPr>
               <a:t>스와이프</a:t>
             </a:r>
             <a:r>
-              <a:rPr lang="ko-KR" altLang="en-US" dirty="0"/>
-              <a:t> 배너들을 구현하였습니다</a:t>
-            </a:r>
-            <a:r>
-              <a:rPr lang="en-US" altLang="ko-KR" dirty="0"/>
+              <a:rPr lang="ko-KR" altLang="en-US" dirty="0">
+                <a:latin typeface="맑은 고딕" panose="020B0503020000020004" pitchFamily="50" charset="-127"/>
+                <a:ea typeface="맑은 고딕" panose="020B0503020000020004" pitchFamily="50" charset="-127"/>
+              </a:rPr>
+              <a:t> 배너들을 구현했습니다</a:t>
+            </a:r>
+            <a:r>
+              <a:rPr lang="en-US" altLang="ko-KR" dirty="0">
+                <a:latin typeface="맑은 고딕" panose="020B0503020000020004" pitchFamily="50" charset="-127"/>
+                <a:ea typeface="맑은 고딕" panose="020B0503020000020004" pitchFamily="50" charset="-127"/>
+              </a:rPr>
               <a:t>.</a:t>
             </a:r>
           </a:p>
@@ -7663,7 +7854,10 @@
                 <a:spcPct val="200000"/>
               </a:lnSpc>
             </a:pPr>
-            <a:endParaRPr lang="en-US" altLang="ko-KR" dirty="0"/>
+            <a:endParaRPr lang="en-US" altLang="ko-KR" dirty="0">
+              <a:latin typeface="맑은 고딕" panose="020B0503020000020004" pitchFamily="50" charset="-127"/>
+              <a:ea typeface="맑은 고딕" panose="020B0503020000020004" pitchFamily="50" charset="-127"/>
+            </a:endParaRPr>
           </a:p>
           <a:p>
             <a:pPr>
@@ -7671,7 +7865,10 @@
                 <a:spcPct val="200000"/>
               </a:lnSpc>
             </a:pPr>
-            <a:endParaRPr lang="en-US" altLang="ko-KR" dirty="0"/>
+            <a:endParaRPr lang="en-US" altLang="ko-KR" dirty="0">
+              <a:latin typeface="맑은 고딕" panose="020B0503020000020004" pitchFamily="50" charset="-127"/>
+              <a:ea typeface="맑은 고딕" panose="020B0503020000020004" pitchFamily="50" charset="-127"/>
+            </a:endParaRPr>
           </a:p>
           <a:p>
             <a:pPr>
@@ -7679,7 +7876,10 @@
                 <a:spcPct val="200000"/>
               </a:lnSpc>
             </a:pPr>
-            <a:endParaRPr lang="ko-KR" altLang="en-US" dirty="0"/>
+            <a:endParaRPr lang="ko-KR" altLang="en-US" dirty="0">
+              <a:latin typeface="맑은 고딕" panose="020B0503020000020004" pitchFamily="50" charset="-127"/>
+              <a:ea typeface="맑은 고딕" panose="020B0503020000020004" pitchFamily="50" charset="-127"/>
+            </a:endParaRPr>
           </a:p>
         </p:txBody>
       </p:sp>
@@ -7747,14 +7947,254 @@
         </p:blipFill>
         <p:spPr>
           <a:xfrm>
-            <a:off x="8968405" y="3642448"/>
-            <a:ext cx="1651000" cy="2408629"/>
+            <a:off x="7772400" y="3705603"/>
+            <a:ext cx="1614881" cy="2408629"/>
           </a:xfrm>
           <a:prstGeom prst="rect">
             <a:avLst/>
           </a:prstGeom>
         </p:spPr>
       </p:pic>
+      <p:sp>
+        <p:nvSpPr>
+          <p:cNvPr id="6" name="내용 개체 틀 2">
+            <a:extLst>
+              <a:ext uri="{FF2B5EF4-FFF2-40B4-BE49-F238E27FC236}">
+                <a16:creationId xmlns:a16="http://schemas.microsoft.com/office/drawing/2014/main" id="{20EB3DCD-2D01-4451-8748-5D37C2F88C05}"/>
+              </a:ext>
+            </a:extLst>
+          </p:cNvPr>
+          <p:cNvSpPr txBox="1">
+            <a:spLocks/>
+          </p:cNvSpPr>
+          <p:nvPr/>
+        </p:nvSpPr>
+        <p:spPr>
+          <a:xfrm>
+            <a:off x="9639300" y="4000331"/>
+            <a:ext cx="2176110" cy="770134"/>
+          </a:xfrm>
+          <a:prstGeom prst="rect">
+            <a:avLst/>
+          </a:prstGeom>
+        </p:spPr>
+        <p:txBody>
+          <a:bodyPr vert="horz" lIns="91440" tIns="45720" rIns="91440" bIns="45720" rtlCol="0">
+            <a:noAutofit/>
+          </a:bodyPr>
+          <a:lstStyle>
+            <a:lvl1pPr marL="384048" indent="-384048" algn="l" defTabSz="914400" rtl="0" eaLnBrk="1" latinLnBrk="1" hangingPunct="1">
+              <a:lnSpc>
+                <a:spcPct val="94000"/>
+              </a:lnSpc>
+              <a:spcBef>
+                <a:spcPts val="1000"/>
+              </a:spcBef>
+              <a:spcAft>
+                <a:spcPts val="200"/>
+              </a:spcAft>
+              <a:buFont typeface="Franklin Gothic Book" panose="020B0503020102020204" pitchFamily="34" charset="0"/>
+              <a:buChar char="■"/>
+              <a:defRPr sz="2000" kern="1200" baseline="0">
+                <a:solidFill>
+                  <a:schemeClr val="tx2"/>
+                </a:solidFill>
+                <a:latin typeface="+mn-lt"/>
+                <a:ea typeface="+mn-ea"/>
+                <a:cs typeface="+mn-cs"/>
+              </a:defRPr>
+            </a:lvl1pPr>
+            <a:lvl2pPr marL="914400" indent="-384048" algn="l" defTabSz="914400" rtl="0" eaLnBrk="1" latinLnBrk="1" hangingPunct="1">
+              <a:lnSpc>
+                <a:spcPct val="94000"/>
+              </a:lnSpc>
+              <a:spcBef>
+                <a:spcPts val="500"/>
+              </a:spcBef>
+              <a:spcAft>
+                <a:spcPts val="200"/>
+              </a:spcAft>
+              <a:buFont typeface="Franklin Gothic Book" panose="020B0503020102020204" pitchFamily="34" charset="0"/>
+              <a:buChar char="–"/>
+              <a:defRPr sz="2000" i="1" kern="1200" baseline="0">
+                <a:solidFill>
+                  <a:schemeClr val="tx2"/>
+                </a:solidFill>
+                <a:latin typeface="+mn-lt"/>
+                <a:ea typeface="+mn-ea"/>
+                <a:cs typeface="+mn-cs"/>
+              </a:defRPr>
+            </a:lvl2pPr>
+            <a:lvl3pPr marL="1371600" indent="-384048" algn="l" defTabSz="914400" rtl="0" eaLnBrk="1" latinLnBrk="1" hangingPunct="1">
+              <a:lnSpc>
+                <a:spcPct val="94000"/>
+              </a:lnSpc>
+              <a:spcBef>
+                <a:spcPts val="500"/>
+              </a:spcBef>
+              <a:spcAft>
+                <a:spcPts val="200"/>
+              </a:spcAft>
+              <a:buFont typeface="Franklin Gothic Book" panose="020B0503020102020204" pitchFamily="34" charset="0"/>
+              <a:buChar char="■"/>
+              <a:defRPr sz="1800" kern="1200" baseline="0">
+                <a:solidFill>
+                  <a:schemeClr val="tx2"/>
+                </a:solidFill>
+                <a:latin typeface="+mn-lt"/>
+                <a:ea typeface="+mn-ea"/>
+                <a:cs typeface="+mn-cs"/>
+              </a:defRPr>
+            </a:lvl3pPr>
+            <a:lvl4pPr marL="1828800" indent="-384048" algn="l" defTabSz="914400" rtl="0" eaLnBrk="1" latinLnBrk="1" hangingPunct="1">
+              <a:lnSpc>
+                <a:spcPct val="94000"/>
+              </a:lnSpc>
+              <a:spcBef>
+                <a:spcPts val="500"/>
+              </a:spcBef>
+              <a:spcAft>
+                <a:spcPts val="200"/>
+              </a:spcAft>
+              <a:buFont typeface="Franklin Gothic Book" panose="020B0503020102020204" pitchFamily="34" charset="0"/>
+              <a:buChar char="–"/>
+              <a:defRPr sz="1800" i="1" kern="1200" baseline="0">
+                <a:solidFill>
+                  <a:schemeClr val="tx2"/>
+                </a:solidFill>
+                <a:latin typeface="+mn-lt"/>
+                <a:ea typeface="+mn-ea"/>
+                <a:cs typeface="+mn-cs"/>
+              </a:defRPr>
+            </a:lvl4pPr>
+            <a:lvl5pPr marL="2286000" indent="-384048" algn="l" defTabSz="914400" rtl="0" eaLnBrk="1" latinLnBrk="1" hangingPunct="1">
+              <a:lnSpc>
+                <a:spcPct val="94000"/>
+              </a:lnSpc>
+              <a:spcBef>
+                <a:spcPts val="500"/>
+              </a:spcBef>
+              <a:spcAft>
+                <a:spcPts val="200"/>
+              </a:spcAft>
+              <a:buFont typeface="Franklin Gothic Book" panose="020B0503020102020204" pitchFamily="34" charset="0"/>
+              <a:buChar char="■"/>
+              <a:defRPr sz="1600" kern="1200" baseline="0">
+                <a:solidFill>
+                  <a:schemeClr val="tx2"/>
+                </a:solidFill>
+                <a:latin typeface="+mn-lt"/>
+                <a:ea typeface="+mn-ea"/>
+                <a:cs typeface="+mn-cs"/>
+              </a:defRPr>
+            </a:lvl5pPr>
+            <a:lvl6pPr marL="2743200" indent="-384048" algn="l" defTabSz="914400" rtl="0" eaLnBrk="1" latinLnBrk="1" hangingPunct="1">
+              <a:lnSpc>
+                <a:spcPct val="94000"/>
+              </a:lnSpc>
+              <a:spcBef>
+                <a:spcPts val="500"/>
+              </a:spcBef>
+              <a:spcAft>
+                <a:spcPts val="200"/>
+              </a:spcAft>
+              <a:buFont typeface="Franklin Gothic Book" panose="020B0503020102020204" pitchFamily="34" charset="0"/>
+              <a:buChar char="–"/>
+              <a:defRPr sz="1600" i="1" kern="1200" baseline="0">
+                <a:solidFill>
+                  <a:schemeClr val="tx2"/>
+                </a:solidFill>
+                <a:latin typeface="+mn-lt"/>
+                <a:ea typeface="+mn-ea"/>
+                <a:cs typeface="+mn-cs"/>
+              </a:defRPr>
+            </a:lvl6pPr>
+            <a:lvl7pPr marL="3200400" indent="-384048" algn="l" defTabSz="914400" rtl="0" eaLnBrk="1" latinLnBrk="1" hangingPunct="1">
+              <a:lnSpc>
+                <a:spcPct val="94000"/>
+              </a:lnSpc>
+              <a:spcBef>
+                <a:spcPts val="500"/>
+              </a:spcBef>
+              <a:spcAft>
+                <a:spcPts val="200"/>
+              </a:spcAft>
+              <a:buFont typeface="Franklin Gothic Book" panose="020B0503020102020204" pitchFamily="34" charset="0"/>
+              <a:buChar char="■"/>
+              <a:defRPr sz="1400" kern="1200" baseline="0">
+                <a:solidFill>
+                  <a:schemeClr val="tx2"/>
+                </a:solidFill>
+                <a:latin typeface="+mn-lt"/>
+                <a:ea typeface="+mn-ea"/>
+                <a:cs typeface="+mn-cs"/>
+              </a:defRPr>
+            </a:lvl7pPr>
+            <a:lvl8pPr marL="3657600" indent="-384048" algn="l" defTabSz="914400" rtl="0" eaLnBrk="1" latinLnBrk="1" hangingPunct="1">
+              <a:lnSpc>
+                <a:spcPct val="94000"/>
+              </a:lnSpc>
+              <a:spcBef>
+                <a:spcPts val="500"/>
+              </a:spcBef>
+              <a:spcAft>
+                <a:spcPts val="200"/>
+              </a:spcAft>
+              <a:buFont typeface="Franklin Gothic Book" panose="020B0503020102020204" pitchFamily="34" charset="0"/>
+              <a:buChar char="–"/>
+              <a:defRPr sz="1400" i="1" kern="1200" baseline="0">
+                <a:solidFill>
+                  <a:schemeClr val="tx2"/>
+                </a:solidFill>
+                <a:latin typeface="+mn-lt"/>
+                <a:ea typeface="+mn-ea"/>
+                <a:cs typeface="+mn-cs"/>
+              </a:defRPr>
+            </a:lvl8pPr>
+            <a:lvl9pPr marL="4114800" indent="-384048" algn="l" defTabSz="914400" rtl="0" eaLnBrk="1" latinLnBrk="1" hangingPunct="1">
+              <a:lnSpc>
+                <a:spcPct val="94000"/>
+              </a:lnSpc>
+              <a:spcBef>
+                <a:spcPts val="500"/>
+              </a:spcBef>
+              <a:spcAft>
+                <a:spcPts val="200"/>
+              </a:spcAft>
+              <a:buFont typeface="Franklin Gothic Book" panose="020B0503020102020204" pitchFamily="34" charset="0"/>
+              <a:buChar char="■"/>
+              <a:defRPr sz="1400" kern="1200" baseline="0">
+                <a:solidFill>
+                  <a:schemeClr val="tx2"/>
+                </a:solidFill>
+                <a:latin typeface="+mn-lt"/>
+                <a:ea typeface="+mn-ea"/>
+                <a:cs typeface="+mn-cs"/>
+              </a:defRPr>
+            </a:lvl9pPr>
+          </a:lstStyle>
+          <a:p>
+            <a:pPr marL="0" indent="0">
+              <a:lnSpc>
+                <a:spcPct val="200000"/>
+              </a:lnSpc>
+              <a:buNone/>
+            </a:pPr>
+            <a:r>
+              <a:rPr lang="ko-KR" altLang="en-US" sz="1800" dirty="0"/>
+              <a:t>▶ </a:t>
+            </a:r>
+            <a:r>
+              <a:rPr lang="en-US" altLang="ko-KR" sz="1800" dirty="0"/>
+              <a:t>Swipe.js </a:t>
+            </a:r>
+            <a:r>
+              <a:rPr lang="ko-KR" altLang="en-US" sz="1800" dirty="0"/>
+              <a:t>활용예</a:t>
+            </a:r>
+          </a:p>
+        </p:txBody>
+      </p:sp>
     </p:spTree>
     <p:extLst>
       <p:ext uri="{BB962C8B-B14F-4D97-AF65-F5344CB8AC3E}">
@@ -7812,10 +8252,16 @@
           <a:lstStyle/>
           <a:p>
             <a:r>
-              <a:rPr lang="en-US" altLang="ko-KR" dirty="0"/>
+              <a:rPr lang="en-US" altLang="ko-KR" b="1" dirty="0">
+                <a:latin typeface="맑은 고딕" panose="020B0503020000020004" pitchFamily="50" charset="-127"/>
+                <a:ea typeface="맑은 고딕" panose="020B0503020000020004" pitchFamily="50" charset="-127"/>
+              </a:rPr>
               <a:t>4. Font &amp; Color</a:t>
             </a:r>
-            <a:endParaRPr lang="ko-KR" altLang="en-US" dirty="0"/>
+            <a:endParaRPr lang="ko-KR" altLang="en-US" b="1" dirty="0">
+              <a:latin typeface="맑은 고딕" panose="020B0503020000020004" pitchFamily="50" charset="-127"/>
+              <a:ea typeface="맑은 고딕" panose="020B0503020000020004" pitchFamily="50" charset="-127"/>
+            </a:endParaRPr>
           </a:p>
         </p:txBody>
       </p:sp>
@@ -7838,7 +8284,7 @@
         <p:spPr>
           <a:xfrm>
             <a:off x="1371600" y="1905001"/>
-            <a:ext cx="3708400" cy="1142999"/>
+            <a:ext cx="4660900" cy="1142999"/>
           </a:xfrm>
         </p:spPr>
         <p:txBody>
@@ -7853,14 +8299,23 @@
               </a:lnSpc>
             </a:pPr>
             <a:r>
-              <a:rPr lang="en-US" altLang="ko-KR" dirty="0"/>
+              <a:rPr lang="en-US" altLang="ko-KR" dirty="0">
+                <a:latin typeface="맑은 고딕" panose="020B0503020000020004" pitchFamily="50" charset="-127"/>
+                <a:ea typeface="맑은 고딕" panose="020B0503020000020004" pitchFamily="50" charset="-127"/>
+              </a:rPr>
               <a:t>Font :  Noto Sans Korean</a:t>
             </a:r>
             <a:r>
-              <a:rPr lang="ko-KR" altLang="en-US" dirty="0"/>
+              <a:rPr lang="ko-KR" altLang="en-US" dirty="0">
+                <a:latin typeface="맑은 고딕" panose="020B0503020000020004" pitchFamily="50" charset="-127"/>
+                <a:ea typeface="맑은 고딕" panose="020B0503020000020004" pitchFamily="50" charset="-127"/>
+              </a:rPr>
               <a:t>체</a:t>
             </a:r>
-            <a:endParaRPr lang="en-US" altLang="ko-KR" dirty="0"/>
+            <a:endParaRPr lang="en-US" altLang="ko-KR" dirty="0">
+              <a:latin typeface="맑은 고딕" panose="020B0503020000020004" pitchFamily="50" charset="-127"/>
+              <a:ea typeface="맑은 고딕" panose="020B0503020000020004" pitchFamily="50" charset="-127"/>
+            </a:endParaRPr>
           </a:p>
         </p:txBody>
       </p:sp>
@@ -8089,10 +8544,16 @@
               </a:lnSpc>
             </a:pPr>
             <a:r>
-              <a:rPr lang="en-US" altLang="ko-KR" dirty="0"/>
+              <a:rPr lang="en-US" altLang="ko-KR" dirty="0">
+                <a:latin typeface="맑은 고딕" panose="020B0503020000020004" pitchFamily="50" charset="-127"/>
+                <a:ea typeface="맑은 고딕" panose="020B0503020000020004" pitchFamily="50" charset="-127"/>
+              </a:rPr>
               <a:t>Color  </a:t>
             </a:r>
-            <a:endParaRPr lang="en-US" altLang="ko-KR" sz="1600" dirty="0"/>
+            <a:endParaRPr lang="en-US" altLang="ko-KR" sz="1600" dirty="0">
+              <a:latin typeface="맑은 고딕" panose="020B0503020000020004" pitchFamily="50" charset="-127"/>
+              <a:ea typeface="맑은 고딕" panose="020B0503020000020004" pitchFamily="50" charset="-127"/>
+            </a:endParaRPr>
           </a:p>
           <a:p>
             <a:pPr marL="0" indent="0">
@@ -8102,8 +8563,11 @@
               <a:buNone/>
             </a:pPr>
             <a:r>
-              <a:rPr lang="en-US" altLang="ko-KR" dirty="0"/>
-              <a:t>    #000                          #FFF</a:t>
+              <a:rPr lang="en-US" altLang="ko-KR" dirty="0">
+                <a:latin typeface="맑은 고딕" panose="020B0503020000020004" pitchFamily="50" charset="-127"/>
+                <a:ea typeface="맑은 고딕" panose="020B0503020000020004" pitchFamily="50" charset="-127"/>
+              </a:rPr>
+              <a:t>    #000                  #FFF</a:t>
             </a:r>
           </a:p>
         </p:txBody>
@@ -8297,11 +8761,17 @@
           <a:lstStyle/>
           <a:p>
             <a:r>
-              <a:rPr lang="en-US" altLang="ko-KR" dirty="0"/>
+              <a:rPr lang="en-US" altLang="ko-KR" b="1" dirty="0">
+                <a:latin typeface="맑은 고딕" panose="020B0503020000020004" pitchFamily="50" charset="-127"/>
+                <a:ea typeface="맑은 고딕" panose="020B0503020000020004" pitchFamily="50" charset="-127"/>
+              </a:rPr>
               <a:t>5. </a:t>
             </a:r>
             <a:r>
-              <a:rPr lang="ko-KR" altLang="en-US" dirty="0"/>
+              <a:rPr lang="ko-KR" altLang="en-US" b="1" dirty="0">
+                <a:latin typeface="맑은 고딕" panose="020B0503020000020004" pitchFamily="50" charset="-127"/>
+                <a:ea typeface="맑은 고딕" panose="020B0503020000020004" pitchFamily="50" charset="-127"/>
+              </a:rPr>
               <a:t>레이아웃</a:t>
             </a:r>
           </a:p>
@@ -8341,11 +8811,17 @@
               </a:lnSpc>
             </a:pPr>
             <a:r>
-              <a:rPr lang="ko-KR" altLang="en-US" dirty="0"/>
+              <a:rPr lang="ko-KR" altLang="en-US" dirty="0">
+                <a:latin typeface="맑은 고딕" panose="020B0503020000020004" pitchFamily="50" charset="-127"/>
+                <a:ea typeface="맑은 고딕" panose="020B0503020000020004" pitchFamily="50" charset="-127"/>
+              </a:rPr>
               <a:t>보험 사이트만의 단순하지만 신뢰감이 있는  정보들을 깔끔하게 나열한 레이아웃입니다</a:t>
             </a:r>
             <a:r>
-              <a:rPr lang="en-US" altLang="ko-KR" dirty="0"/>
+              <a:rPr lang="en-US" altLang="ko-KR" dirty="0">
+                <a:latin typeface="맑은 고딕" panose="020B0503020000020004" pitchFamily="50" charset="-127"/>
+                <a:ea typeface="맑은 고딕" panose="020B0503020000020004" pitchFamily="50" charset="-127"/>
+              </a:rPr>
               <a:t>.</a:t>
             </a:r>
           </a:p>
@@ -8356,15 +8832,24 @@
               </a:lnSpc>
             </a:pPr>
             <a:r>
-              <a:rPr lang="en-US" altLang="ko-KR" dirty="0"/>
+              <a:rPr lang="en-US" altLang="ko-KR" dirty="0">
+                <a:latin typeface="맑은 고딕" panose="020B0503020000020004" pitchFamily="50" charset="-127"/>
+                <a:ea typeface="맑은 고딕" panose="020B0503020000020004" pitchFamily="50" charset="-127"/>
+              </a:rPr>
               <a:t>PC</a:t>
             </a:r>
             <a:r>
-              <a:rPr lang="ko-KR" altLang="en-US" dirty="0"/>
+              <a:rPr lang="ko-KR" altLang="en-US" dirty="0">
+                <a:latin typeface="맑은 고딕" panose="020B0503020000020004" pitchFamily="50" charset="-127"/>
+                <a:ea typeface="맑은 고딕" panose="020B0503020000020004" pitchFamily="50" charset="-127"/>
+              </a:rPr>
               <a:t>화면과 모바일 화면 모두 같은 레이아웃을 채택하여 통일성을 높였습니다</a:t>
             </a:r>
             <a:r>
-              <a:rPr lang="en-US" altLang="ko-KR" dirty="0"/>
+              <a:rPr lang="en-US" altLang="ko-KR" dirty="0">
+                <a:latin typeface="맑은 고딕" panose="020B0503020000020004" pitchFamily="50" charset="-127"/>
+                <a:ea typeface="맑은 고딕" panose="020B0503020000020004" pitchFamily="50" charset="-127"/>
+              </a:rPr>
               <a:t>.</a:t>
             </a:r>
           </a:p>
@@ -8374,7 +8859,10 @@
                 <a:spcPct val="200000"/>
               </a:lnSpc>
             </a:pPr>
-            <a:endParaRPr lang="en-US" altLang="ko-KR" dirty="0"/>
+            <a:endParaRPr lang="en-US" altLang="ko-KR" dirty="0">
+              <a:latin typeface="맑은 고딕" panose="020B0503020000020004" pitchFamily="50" charset="-127"/>
+              <a:ea typeface="맑은 고딕" panose="020B0503020000020004" pitchFamily="50" charset="-127"/>
+            </a:endParaRPr>
           </a:p>
           <a:p>
             <a:pPr>
@@ -8382,7 +8870,10 @@
                 <a:spcPct val="200000"/>
               </a:lnSpc>
             </a:pPr>
-            <a:endParaRPr lang="ko-KR" altLang="en-US" dirty="0"/>
+            <a:endParaRPr lang="ko-KR" altLang="en-US" dirty="0">
+              <a:latin typeface="맑은 고딕" panose="020B0503020000020004" pitchFamily="50" charset="-127"/>
+              <a:ea typeface="맑은 고딕" panose="020B0503020000020004" pitchFamily="50" charset="-127"/>
+            </a:endParaRPr>
           </a:p>
         </p:txBody>
       </p:sp>
@@ -8414,8 +8905,8 @@
         </p:blipFill>
         <p:spPr>
           <a:xfrm>
-            <a:off x="7979029" y="397120"/>
-            <a:ext cx="1259344" cy="6063760"/>
+            <a:off x="9413349" y="397120"/>
+            <a:ext cx="1187351" cy="5717112"/>
           </a:xfrm>
           <a:prstGeom prst="rect">
             <a:avLst/>
@@ -8450,14 +8941,1001 @@
         </p:blipFill>
         <p:spPr>
           <a:xfrm>
-            <a:off x="9612938" y="397120"/>
-            <a:ext cx="394662" cy="6063760"/>
+            <a:off x="11129412" y="397120"/>
+            <a:ext cx="372100" cy="5717112"/>
           </a:xfrm>
           <a:prstGeom prst="rect">
             <a:avLst/>
           </a:prstGeom>
         </p:spPr>
       </p:pic>
+      <p:sp>
+        <p:nvSpPr>
+          <p:cNvPr id="6" name="내용 개체 틀 2">
+            <a:extLst>
+              <a:ext uri="{FF2B5EF4-FFF2-40B4-BE49-F238E27FC236}">
+                <a16:creationId xmlns:a16="http://schemas.microsoft.com/office/drawing/2014/main" id="{A72B4EC8-06D9-4529-AEA2-08DEDEF6ACAB}"/>
+              </a:ext>
+            </a:extLst>
+          </p:cNvPr>
+          <p:cNvSpPr txBox="1">
+            <a:spLocks/>
+          </p:cNvSpPr>
+          <p:nvPr/>
+        </p:nvSpPr>
+        <p:spPr>
+          <a:xfrm>
+            <a:off x="10930900" y="6075813"/>
+            <a:ext cx="1473200" cy="770134"/>
+          </a:xfrm>
+          <a:prstGeom prst="rect">
+            <a:avLst/>
+          </a:prstGeom>
+        </p:spPr>
+        <p:txBody>
+          <a:bodyPr vert="horz" lIns="91440" tIns="45720" rIns="91440" bIns="45720" rtlCol="0">
+            <a:noAutofit/>
+          </a:bodyPr>
+          <a:lstStyle>
+            <a:lvl1pPr marL="384048" indent="-384048" algn="l" defTabSz="914400" rtl="0" eaLnBrk="1" latinLnBrk="1" hangingPunct="1">
+              <a:lnSpc>
+                <a:spcPct val="94000"/>
+              </a:lnSpc>
+              <a:spcBef>
+                <a:spcPts val="1000"/>
+              </a:spcBef>
+              <a:spcAft>
+                <a:spcPts val="200"/>
+              </a:spcAft>
+              <a:buFont typeface="Franklin Gothic Book" panose="020B0503020102020204" pitchFamily="34" charset="0"/>
+              <a:buChar char="■"/>
+              <a:defRPr sz="2000" kern="1200" baseline="0">
+                <a:solidFill>
+                  <a:schemeClr val="tx2"/>
+                </a:solidFill>
+                <a:latin typeface="+mn-lt"/>
+                <a:ea typeface="+mn-ea"/>
+                <a:cs typeface="+mn-cs"/>
+              </a:defRPr>
+            </a:lvl1pPr>
+            <a:lvl2pPr marL="914400" indent="-384048" algn="l" defTabSz="914400" rtl="0" eaLnBrk="1" latinLnBrk="1" hangingPunct="1">
+              <a:lnSpc>
+                <a:spcPct val="94000"/>
+              </a:lnSpc>
+              <a:spcBef>
+                <a:spcPts val="500"/>
+              </a:spcBef>
+              <a:spcAft>
+                <a:spcPts val="200"/>
+              </a:spcAft>
+              <a:buFont typeface="Franklin Gothic Book" panose="020B0503020102020204" pitchFamily="34" charset="0"/>
+              <a:buChar char="–"/>
+              <a:defRPr sz="2000" i="1" kern="1200" baseline="0">
+                <a:solidFill>
+                  <a:schemeClr val="tx2"/>
+                </a:solidFill>
+                <a:latin typeface="+mn-lt"/>
+                <a:ea typeface="+mn-ea"/>
+                <a:cs typeface="+mn-cs"/>
+              </a:defRPr>
+            </a:lvl2pPr>
+            <a:lvl3pPr marL="1371600" indent="-384048" algn="l" defTabSz="914400" rtl="0" eaLnBrk="1" latinLnBrk="1" hangingPunct="1">
+              <a:lnSpc>
+                <a:spcPct val="94000"/>
+              </a:lnSpc>
+              <a:spcBef>
+                <a:spcPts val="500"/>
+              </a:spcBef>
+              <a:spcAft>
+                <a:spcPts val="200"/>
+              </a:spcAft>
+              <a:buFont typeface="Franklin Gothic Book" panose="020B0503020102020204" pitchFamily="34" charset="0"/>
+              <a:buChar char="■"/>
+              <a:defRPr sz="1800" kern="1200" baseline="0">
+                <a:solidFill>
+                  <a:schemeClr val="tx2"/>
+                </a:solidFill>
+                <a:latin typeface="+mn-lt"/>
+                <a:ea typeface="+mn-ea"/>
+                <a:cs typeface="+mn-cs"/>
+              </a:defRPr>
+            </a:lvl3pPr>
+            <a:lvl4pPr marL="1828800" indent="-384048" algn="l" defTabSz="914400" rtl="0" eaLnBrk="1" latinLnBrk="1" hangingPunct="1">
+              <a:lnSpc>
+                <a:spcPct val="94000"/>
+              </a:lnSpc>
+              <a:spcBef>
+                <a:spcPts val="500"/>
+              </a:spcBef>
+              <a:spcAft>
+                <a:spcPts val="200"/>
+              </a:spcAft>
+              <a:buFont typeface="Franklin Gothic Book" panose="020B0503020102020204" pitchFamily="34" charset="0"/>
+              <a:buChar char="–"/>
+              <a:defRPr sz="1800" i="1" kern="1200" baseline="0">
+                <a:solidFill>
+                  <a:schemeClr val="tx2"/>
+                </a:solidFill>
+                <a:latin typeface="+mn-lt"/>
+                <a:ea typeface="+mn-ea"/>
+                <a:cs typeface="+mn-cs"/>
+              </a:defRPr>
+            </a:lvl4pPr>
+            <a:lvl5pPr marL="2286000" indent="-384048" algn="l" defTabSz="914400" rtl="0" eaLnBrk="1" latinLnBrk="1" hangingPunct="1">
+              <a:lnSpc>
+                <a:spcPct val="94000"/>
+              </a:lnSpc>
+              <a:spcBef>
+                <a:spcPts val="500"/>
+              </a:spcBef>
+              <a:spcAft>
+                <a:spcPts val="200"/>
+              </a:spcAft>
+              <a:buFont typeface="Franklin Gothic Book" panose="020B0503020102020204" pitchFamily="34" charset="0"/>
+              <a:buChar char="■"/>
+              <a:defRPr sz="1600" kern="1200" baseline="0">
+                <a:solidFill>
+                  <a:schemeClr val="tx2"/>
+                </a:solidFill>
+                <a:latin typeface="+mn-lt"/>
+                <a:ea typeface="+mn-ea"/>
+                <a:cs typeface="+mn-cs"/>
+              </a:defRPr>
+            </a:lvl5pPr>
+            <a:lvl6pPr marL="2743200" indent="-384048" algn="l" defTabSz="914400" rtl="0" eaLnBrk="1" latinLnBrk="1" hangingPunct="1">
+              <a:lnSpc>
+                <a:spcPct val="94000"/>
+              </a:lnSpc>
+              <a:spcBef>
+                <a:spcPts val="500"/>
+              </a:spcBef>
+              <a:spcAft>
+                <a:spcPts val="200"/>
+              </a:spcAft>
+              <a:buFont typeface="Franklin Gothic Book" panose="020B0503020102020204" pitchFamily="34" charset="0"/>
+              <a:buChar char="–"/>
+              <a:defRPr sz="1600" i="1" kern="1200" baseline="0">
+                <a:solidFill>
+                  <a:schemeClr val="tx2"/>
+                </a:solidFill>
+                <a:latin typeface="+mn-lt"/>
+                <a:ea typeface="+mn-ea"/>
+                <a:cs typeface="+mn-cs"/>
+              </a:defRPr>
+            </a:lvl6pPr>
+            <a:lvl7pPr marL="3200400" indent="-384048" algn="l" defTabSz="914400" rtl="0" eaLnBrk="1" latinLnBrk="1" hangingPunct="1">
+              <a:lnSpc>
+                <a:spcPct val="94000"/>
+              </a:lnSpc>
+              <a:spcBef>
+                <a:spcPts val="500"/>
+              </a:spcBef>
+              <a:spcAft>
+                <a:spcPts val="200"/>
+              </a:spcAft>
+              <a:buFont typeface="Franklin Gothic Book" panose="020B0503020102020204" pitchFamily="34" charset="0"/>
+              <a:buChar char="■"/>
+              <a:defRPr sz="1400" kern="1200" baseline="0">
+                <a:solidFill>
+                  <a:schemeClr val="tx2"/>
+                </a:solidFill>
+                <a:latin typeface="+mn-lt"/>
+                <a:ea typeface="+mn-ea"/>
+                <a:cs typeface="+mn-cs"/>
+              </a:defRPr>
+            </a:lvl7pPr>
+            <a:lvl8pPr marL="3657600" indent="-384048" algn="l" defTabSz="914400" rtl="0" eaLnBrk="1" latinLnBrk="1" hangingPunct="1">
+              <a:lnSpc>
+                <a:spcPct val="94000"/>
+              </a:lnSpc>
+              <a:spcBef>
+                <a:spcPts val="500"/>
+              </a:spcBef>
+              <a:spcAft>
+                <a:spcPts val="200"/>
+              </a:spcAft>
+              <a:buFont typeface="Franklin Gothic Book" panose="020B0503020102020204" pitchFamily="34" charset="0"/>
+              <a:buChar char="–"/>
+              <a:defRPr sz="1400" i="1" kern="1200" baseline="0">
+                <a:solidFill>
+                  <a:schemeClr val="tx2"/>
+                </a:solidFill>
+                <a:latin typeface="+mn-lt"/>
+                <a:ea typeface="+mn-ea"/>
+                <a:cs typeface="+mn-cs"/>
+              </a:defRPr>
+            </a:lvl8pPr>
+            <a:lvl9pPr marL="4114800" indent="-384048" algn="l" defTabSz="914400" rtl="0" eaLnBrk="1" latinLnBrk="1" hangingPunct="1">
+              <a:lnSpc>
+                <a:spcPct val="94000"/>
+              </a:lnSpc>
+              <a:spcBef>
+                <a:spcPts val="500"/>
+              </a:spcBef>
+              <a:spcAft>
+                <a:spcPts val="200"/>
+              </a:spcAft>
+              <a:buFont typeface="Franklin Gothic Book" panose="020B0503020102020204" pitchFamily="34" charset="0"/>
+              <a:buChar char="■"/>
+              <a:defRPr sz="1400" kern="1200" baseline="0">
+                <a:solidFill>
+                  <a:schemeClr val="tx2"/>
+                </a:solidFill>
+                <a:latin typeface="+mn-lt"/>
+                <a:ea typeface="+mn-ea"/>
+                <a:cs typeface="+mn-cs"/>
+              </a:defRPr>
+            </a:lvl9pPr>
+          </a:lstStyle>
+          <a:p>
+            <a:pPr marL="0" indent="0">
+              <a:lnSpc>
+                <a:spcPct val="200000"/>
+              </a:lnSpc>
+              <a:buNone/>
+            </a:pPr>
+            <a:r>
+              <a:rPr lang="ko-KR" altLang="en-US" sz="1600" b="1" dirty="0"/>
+              <a:t>모바일</a:t>
+            </a:r>
+            <a:endParaRPr lang="en-US" altLang="ko-KR" sz="1600" b="1" dirty="0"/>
+          </a:p>
+          <a:p>
+            <a:pPr>
+              <a:lnSpc>
+                <a:spcPct val="200000"/>
+              </a:lnSpc>
+            </a:pPr>
+            <a:endParaRPr lang="ko-KR" altLang="en-US" dirty="0"/>
+          </a:p>
+        </p:txBody>
+      </p:sp>
+      <p:sp>
+        <p:nvSpPr>
+          <p:cNvPr id="8" name="내용 개체 틀 2">
+            <a:extLst>
+              <a:ext uri="{FF2B5EF4-FFF2-40B4-BE49-F238E27FC236}">
+                <a16:creationId xmlns:a16="http://schemas.microsoft.com/office/drawing/2014/main" id="{2059BF74-8A72-4D52-860C-44DBF5056C3C}"/>
+              </a:ext>
+            </a:extLst>
+          </p:cNvPr>
+          <p:cNvSpPr txBox="1">
+            <a:spLocks/>
+          </p:cNvSpPr>
+          <p:nvPr/>
+        </p:nvSpPr>
+        <p:spPr>
+          <a:xfrm>
+            <a:off x="9795912" y="6087866"/>
+            <a:ext cx="737562" cy="770134"/>
+          </a:xfrm>
+          <a:prstGeom prst="rect">
+            <a:avLst/>
+          </a:prstGeom>
+        </p:spPr>
+        <p:txBody>
+          <a:bodyPr vert="horz" lIns="91440" tIns="45720" rIns="91440" bIns="45720" rtlCol="0">
+            <a:noAutofit/>
+          </a:bodyPr>
+          <a:lstStyle>
+            <a:lvl1pPr marL="384048" indent="-384048" algn="l" defTabSz="914400" rtl="0" eaLnBrk="1" latinLnBrk="1" hangingPunct="1">
+              <a:lnSpc>
+                <a:spcPct val="94000"/>
+              </a:lnSpc>
+              <a:spcBef>
+                <a:spcPts val="1000"/>
+              </a:spcBef>
+              <a:spcAft>
+                <a:spcPts val="200"/>
+              </a:spcAft>
+              <a:buFont typeface="Franklin Gothic Book" panose="020B0503020102020204" pitchFamily="34" charset="0"/>
+              <a:buChar char="■"/>
+              <a:defRPr sz="2000" kern="1200" baseline="0">
+                <a:solidFill>
+                  <a:schemeClr val="tx2"/>
+                </a:solidFill>
+                <a:latin typeface="+mn-lt"/>
+                <a:ea typeface="+mn-ea"/>
+                <a:cs typeface="+mn-cs"/>
+              </a:defRPr>
+            </a:lvl1pPr>
+            <a:lvl2pPr marL="914400" indent="-384048" algn="l" defTabSz="914400" rtl="0" eaLnBrk="1" latinLnBrk="1" hangingPunct="1">
+              <a:lnSpc>
+                <a:spcPct val="94000"/>
+              </a:lnSpc>
+              <a:spcBef>
+                <a:spcPts val="500"/>
+              </a:spcBef>
+              <a:spcAft>
+                <a:spcPts val="200"/>
+              </a:spcAft>
+              <a:buFont typeface="Franklin Gothic Book" panose="020B0503020102020204" pitchFamily="34" charset="0"/>
+              <a:buChar char="–"/>
+              <a:defRPr sz="2000" i="1" kern="1200" baseline="0">
+                <a:solidFill>
+                  <a:schemeClr val="tx2"/>
+                </a:solidFill>
+                <a:latin typeface="+mn-lt"/>
+                <a:ea typeface="+mn-ea"/>
+                <a:cs typeface="+mn-cs"/>
+              </a:defRPr>
+            </a:lvl2pPr>
+            <a:lvl3pPr marL="1371600" indent="-384048" algn="l" defTabSz="914400" rtl="0" eaLnBrk="1" latinLnBrk="1" hangingPunct="1">
+              <a:lnSpc>
+                <a:spcPct val="94000"/>
+              </a:lnSpc>
+              <a:spcBef>
+                <a:spcPts val="500"/>
+              </a:spcBef>
+              <a:spcAft>
+                <a:spcPts val="200"/>
+              </a:spcAft>
+              <a:buFont typeface="Franklin Gothic Book" panose="020B0503020102020204" pitchFamily="34" charset="0"/>
+              <a:buChar char="■"/>
+              <a:defRPr sz="1800" kern="1200" baseline="0">
+                <a:solidFill>
+                  <a:schemeClr val="tx2"/>
+                </a:solidFill>
+                <a:latin typeface="+mn-lt"/>
+                <a:ea typeface="+mn-ea"/>
+                <a:cs typeface="+mn-cs"/>
+              </a:defRPr>
+            </a:lvl3pPr>
+            <a:lvl4pPr marL="1828800" indent="-384048" algn="l" defTabSz="914400" rtl="0" eaLnBrk="1" latinLnBrk="1" hangingPunct="1">
+              <a:lnSpc>
+                <a:spcPct val="94000"/>
+              </a:lnSpc>
+              <a:spcBef>
+                <a:spcPts val="500"/>
+              </a:spcBef>
+              <a:spcAft>
+                <a:spcPts val="200"/>
+              </a:spcAft>
+              <a:buFont typeface="Franklin Gothic Book" panose="020B0503020102020204" pitchFamily="34" charset="0"/>
+              <a:buChar char="–"/>
+              <a:defRPr sz="1800" i="1" kern="1200" baseline="0">
+                <a:solidFill>
+                  <a:schemeClr val="tx2"/>
+                </a:solidFill>
+                <a:latin typeface="+mn-lt"/>
+                <a:ea typeface="+mn-ea"/>
+                <a:cs typeface="+mn-cs"/>
+              </a:defRPr>
+            </a:lvl4pPr>
+            <a:lvl5pPr marL="2286000" indent="-384048" algn="l" defTabSz="914400" rtl="0" eaLnBrk="1" latinLnBrk="1" hangingPunct="1">
+              <a:lnSpc>
+                <a:spcPct val="94000"/>
+              </a:lnSpc>
+              <a:spcBef>
+                <a:spcPts val="500"/>
+              </a:spcBef>
+              <a:spcAft>
+                <a:spcPts val="200"/>
+              </a:spcAft>
+              <a:buFont typeface="Franklin Gothic Book" panose="020B0503020102020204" pitchFamily="34" charset="0"/>
+              <a:buChar char="■"/>
+              <a:defRPr sz="1600" kern="1200" baseline="0">
+                <a:solidFill>
+                  <a:schemeClr val="tx2"/>
+                </a:solidFill>
+                <a:latin typeface="+mn-lt"/>
+                <a:ea typeface="+mn-ea"/>
+                <a:cs typeface="+mn-cs"/>
+              </a:defRPr>
+            </a:lvl5pPr>
+            <a:lvl6pPr marL="2743200" indent="-384048" algn="l" defTabSz="914400" rtl="0" eaLnBrk="1" latinLnBrk="1" hangingPunct="1">
+              <a:lnSpc>
+                <a:spcPct val="94000"/>
+              </a:lnSpc>
+              <a:spcBef>
+                <a:spcPts val="500"/>
+              </a:spcBef>
+              <a:spcAft>
+                <a:spcPts val="200"/>
+              </a:spcAft>
+              <a:buFont typeface="Franklin Gothic Book" panose="020B0503020102020204" pitchFamily="34" charset="0"/>
+              <a:buChar char="–"/>
+              <a:defRPr sz="1600" i="1" kern="1200" baseline="0">
+                <a:solidFill>
+                  <a:schemeClr val="tx2"/>
+                </a:solidFill>
+                <a:latin typeface="+mn-lt"/>
+                <a:ea typeface="+mn-ea"/>
+                <a:cs typeface="+mn-cs"/>
+              </a:defRPr>
+            </a:lvl6pPr>
+            <a:lvl7pPr marL="3200400" indent="-384048" algn="l" defTabSz="914400" rtl="0" eaLnBrk="1" latinLnBrk="1" hangingPunct="1">
+              <a:lnSpc>
+                <a:spcPct val="94000"/>
+              </a:lnSpc>
+              <a:spcBef>
+                <a:spcPts val="500"/>
+              </a:spcBef>
+              <a:spcAft>
+                <a:spcPts val="200"/>
+              </a:spcAft>
+              <a:buFont typeface="Franklin Gothic Book" panose="020B0503020102020204" pitchFamily="34" charset="0"/>
+              <a:buChar char="■"/>
+              <a:defRPr sz="1400" kern="1200" baseline="0">
+                <a:solidFill>
+                  <a:schemeClr val="tx2"/>
+                </a:solidFill>
+                <a:latin typeface="+mn-lt"/>
+                <a:ea typeface="+mn-ea"/>
+                <a:cs typeface="+mn-cs"/>
+              </a:defRPr>
+            </a:lvl7pPr>
+            <a:lvl8pPr marL="3657600" indent="-384048" algn="l" defTabSz="914400" rtl="0" eaLnBrk="1" latinLnBrk="1" hangingPunct="1">
+              <a:lnSpc>
+                <a:spcPct val="94000"/>
+              </a:lnSpc>
+              <a:spcBef>
+                <a:spcPts val="500"/>
+              </a:spcBef>
+              <a:spcAft>
+                <a:spcPts val="200"/>
+              </a:spcAft>
+              <a:buFont typeface="Franklin Gothic Book" panose="020B0503020102020204" pitchFamily="34" charset="0"/>
+              <a:buChar char="–"/>
+              <a:defRPr sz="1400" i="1" kern="1200" baseline="0">
+                <a:solidFill>
+                  <a:schemeClr val="tx2"/>
+                </a:solidFill>
+                <a:latin typeface="+mn-lt"/>
+                <a:ea typeface="+mn-ea"/>
+                <a:cs typeface="+mn-cs"/>
+              </a:defRPr>
+            </a:lvl8pPr>
+            <a:lvl9pPr marL="4114800" indent="-384048" algn="l" defTabSz="914400" rtl="0" eaLnBrk="1" latinLnBrk="1" hangingPunct="1">
+              <a:lnSpc>
+                <a:spcPct val="94000"/>
+              </a:lnSpc>
+              <a:spcBef>
+                <a:spcPts val="500"/>
+              </a:spcBef>
+              <a:spcAft>
+                <a:spcPts val="200"/>
+              </a:spcAft>
+              <a:buFont typeface="Franklin Gothic Book" panose="020B0503020102020204" pitchFamily="34" charset="0"/>
+              <a:buChar char="■"/>
+              <a:defRPr sz="1400" kern="1200" baseline="0">
+                <a:solidFill>
+                  <a:schemeClr val="tx2"/>
+                </a:solidFill>
+                <a:latin typeface="+mn-lt"/>
+                <a:ea typeface="+mn-ea"/>
+                <a:cs typeface="+mn-cs"/>
+              </a:defRPr>
+            </a:lvl9pPr>
+          </a:lstStyle>
+          <a:p>
+            <a:pPr marL="0" indent="0">
+              <a:lnSpc>
+                <a:spcPct val="200000"/>
+              </a:lnSpc>
+              <a:buNone/>
+            </a:pPr>
+            <a:r>
+              <a:rPr lang="en-US" altLang="ko-KR" sz="1600" b="1" dirty="0"/>
+              <a:t>PC</a:t>
+            </a:r>
+          </a:p>
+          <a:p>
+            <a:pPr>
+              <a:lnSpc>
+                <a:spcPct val="200000"/>
+              </a:lnSpc>
+            </a:pPr>
+            <a:endParaRPr lang="ko-KR" altLang="en-US" dirty="0"/>
+          </a:p>
+        </p:txBody>
+      </p:sp>
+      <p:graphicFrame>
+        <p:nvGraphicFramePr>
+          <p:cNvPr id="4" name="표 8">
+            <a:extLst>
+              <a:ext uri="{FF2B5EF4-FFF2-40B4-BE49-F238E27FC236}">
+                <a16:creationId xmlns:a16="http://schemas.microsoft.com/office/drawing/2014/main" id="{151BD06E-42A1-47AB-A84F-5A3D3105E9DC}"/>
+              </a:ext>
+            </a:extLst>
+          </p:cNvPr>
+          <p:cNvGraphicFramePr>
+            <a:graphicFrameLocks noGrp="1"/>
+          </p:cNvGraphicFramePr>
+          <p:nvPr>
+            <p:extLst>
+              <p:ext uri="{D42A27DB-BD31-4B8C-83A1-F6EECF244321}">
+                <p14:modId xmlns:p14="http://schemas.microsoft.com/office/powerpoint/2010/main" val="264414279"/>
+              </p:ext>
+            </p:extLst>
+          </p:nvPr>
+        </p:nvGraphicFramePr>
+        <p:xfrm>
+          <a:off x="7115726" y="423484"/>
+          <a:ext cx="1931362" cy="5690748"/>
+        </p:xfrm>
+        <a:graphic>
+          <a:graphicData uri="http://schemas.openxmlformats.org/drawingml/2006/table">
+            <a:tbl>
+              <a:tblPr firstRow="1" bandRow="1">
+                <a:tableStyleId>{5940675A-B579-460E-94D1-54222C63F5DA}</a:tableStyleId>
+              </a:tblPr>
+              <a:tblGrid>
+                <a:gridCol w="1931362">
+                  <a:extLst>
+                    <a:ext uri="{9D8B030D-6E8A-4147-A177-3AD203B41FA5}">
+                      <a16:colId xmlns:a16="http://schemas.microsoft.com/office/drawing/2014/main" val="2357222598"/>
+                    </a:ext>
+                  </a:extLst>
+                </a:gridCol>
+              </a:tblGrid>
+              <a:tr h="396954">
+                <a:tc>
+                  <a:txBody>
+                    <a:bodyPr/>
+                    <a:lstStyle/>
+                    <a:p>
+                      <a:pPr algn="ctr" latinLnBrk="1"/>
+                      <a:r>
+                        <a:rPr lang="en-US" altLang="ko-KR" b="1" dirty="0"/>
+                        <a:t>MENU</a:t>
+                      </a:r>
+                      <a:endParaRPr lang="ko-KR" altLang="en-US" b="1" dirty="0"/>
+                    </a:p>
+                  </a:txBody>
+                  <a:tcPr anchor="ctr">
+                    <a:solidFill>
+                      <a:schemeClr val="bg1"/>
+                    </a:solidFill>
+                  </a:tcPr>
+                </a:tc>
+                <a:extLst>
+                  <a:ext uri="{0D108BD9-81ED-4DB2-BD59-A6C34878D82A}">
+                    <a16:rowId xmlns:a16="http://schemas.microsoft.com/office/drawing/2014/main" val="3003451815"/>
+                  </a:ext>
+                </a:extLst>
+              </a:tr>
+              <a:tr h="882299">
+                <a:tc>
+                  <a:txBody>
+                    <a:bodyPr/>
+                    <a:lstStyle/>
+                    <a:p>
+                      <a:pPr algn="ctr" latinLnBrk="1"/>
+                      <a:r>
+                        <a:rPr lang="ko-KR" altLang="en-US" b="1" dirty="0"/>
+                        <a:t>컨텐츠</a:t>
+                      </a:r>
+                      <a:r>
+                        <a:rPr lang="en-US" altLang="ko-KR" b="1" dirty="0"/>
+                        <a:t>1</a:t>
+                      </a:r>
+                      <a:endParaRPr lang="ko-KR" altLang="en-US" b="1" dirty="0"/>
+                    </a:p>
+                  </a:txBody>
+                  <a:tcPr anchor="ctr">
+                    <a:solidFill>
+                      <a:schemeClr val="accent1">
+                        <a:lumMod val="20000"/>
+                        <a:lumOff val="80000"/>
+                      </a:schemeClr>
+                    </a:solidFill>
+                  </a:tcPr>
+                </a:tc>
+                <a:extLst>
+                  <a:ext uri="{0D108BD9-81ED-4DB2-BD59-A6C34878D82A}">
+                    <a16:rowId xmlns:a16="http://schemas.microsoft.com/office/drawing/2014/main" val="1221273412"/>
+                  </a:ext>
+                </a:extLst>
+              </a:tr>
+              <a:tr h="882299">
+                <a:tc>
+                  <a:txBody>
+                    <a:bodyPr/>
+                    <a:lstStyle/>
+                    <a:p>
+                      <a:pPr algn="ctr" latinLnBrk="1"/>
+                      <a:r>
+                        <a:rPr lang="ko-KR" altLang="en-US" b="1" dirty="0"/>
+                        <a:t>컨텐츠</a:t>
+                      </a:r>
+                      <a:r>
+                        <a:rPr lang="en-US" altLang="ko-KR" b="1" dirty="0"/>
+                        <a:t>2</a:t>
+                      </a:r>
+                      <a:endParaRPr lang="ko-KR" altLang="en-US" b="1" dirty="0"/>
+                    </a:p>
+                  </a:txBody>
+                  <a:tcPr anchor="ctr">
+                    <a:solidFill>
+                      <a:schemeClr val="accent1">
+                        <a:lumMod val="20000"/>
+                        <a:lumOff val="80000"/>
+                      </a:schemeClr>
+                    </a:solidFill>
+                  </a:tcPr>
+                </a:tc>
+                <a:extLst>
+                  <a:ext uri="{0D108BD9-81ED-4DB2-BD59-A6C34878D82A}">
+                    <a16:rowId xmlns:a16="http://schemas.microsoft.com/office/drawing/2014/main" val="1460511795"/>
+                  </a:ext>
+                </a:extLst>
+              </a:tr>
+              <a:tr h="882299">
+                <a:tc>
+                  <a:txBody>
+                    <a:bodyPr/>
+                    <a:lstStyle/>
+                    <a:p>
+                      <a:pPr algn="ctr" latinLnBrk="1"/>
+                      <a:r>
+                        <a:rPr lang="ko-KR" altLang="en-US" b="1" dirty="0"/>
+                        <a:t>컨텐츠</a:t>
+                      </a:r>
+                      <a:r>
+                        <a:rPr lang="en-US" altLang="ko-KR" b="1" dirty="0"/>
+                        <a:t>3</a:t>
+                      </a:r>
+                      <a:endParaRPr lang="ko-KR" altLang="en-US" b="1" dirty="0"/>
+                    </a:p>
+                  </a:txBody>
+                  <a:tcPr anchor="ctr">
+                    <a:solidFill>
+                      <a:schemeClr val="accent1">
+                        <a:lumMod val="20000"/>
+                        <a:lumOff val="80000"/>
+                      </a:schemeClr>
+                    </a:solidFill>
+                  </a:tcPr>
+                </a:tc>
+                <a:extLst>
+                  <a:ext uri="{0D108BD9-81ED-4DB2-BD59-A6C34878D82A}">
+                    <a16:rowId xmlns:a16="http://schemas.microsoft.com/office/drawing/2014/main" val="1364687485"/>
+                  </a:ext>
+                </a:extLst>
+              </a:tr>
+              <a:tr h="882299">
+                <a:tc>
+                  <a:txBody>
+                    <a:bodyPr/>
+                    <a:lstStyle/>
+                    <a:p>
+                      <a:pPr algn="ctr" latinLnBrk="1"/>
+                      <a:r>
+                        <a:rPr lang="ko-KR" altLang="en-US" b="1" dirty="0"/>
+                        <a:t>컨텐츠</a:t>
+                      </a:r>
+                      <a:r>
+                        <a:rPr lang="en-US" altLang="ko-KR" b="1" dirty="0"/>
+                        <a:t>4</a:t>
+                      </a:r>
+                      <a:endParaRPr lang="ko-KR" altLang="en-US" b="1" dirty="0"/>
+                    </a:p>
+                  </a:txBody>
+                  <a:tcPr anchor="ctr">
+                    <a:solidFill>
+                      <a:schemeClr val="accent1">
+                        <a:lumMod val="20000"/>
+                        <a:lumOff val="80000"/>
+                      </a:schemeClr>
+                    </a:solidFill>
+                  </a:tcPr>
+                </a:tc>
+                <a:extLst>
+                  <a:ext uri="{0D108BD9-81ED-4DB2-BD59-A6C34878D82A}">
+                    <a16:rowId xmlns:a16="http://schemas.microsoft.com/office/drawing/2014/main" val="3225160579"/>
+                  </a:ext>
+                </a:extLst>
+              </a:tr>
+              <a:tr h="882299">
+                <a:tc>
+                  <a:txBody>
+                    <a:bodyPr/>
+                    <a:lstStyle/>
+                    <a:p>
+                      <a:pPr algn="ctr" latinLnBrk="1"/>
+                      <a:r>
+                        <a:rPr lang="ko-KR" altLang="en-US" b="1" dirty="0"/>
+                        <a:t>컨텐츠</a:t>
+                      </a:r>
+                      <a:r>
+                        <a:rPr lang="en-US" altLang="ko-KR" b="1" dirty="0"/>
+                        <a:t>5</a:t>
+                      </a:r>
+                    </a:p>
+                    <a:p>
+                      <a:pPr algn="ctr" latinLnBrk="1"/>
+                      <a:r>
+                        <a:rPr lang="en-US" altLang="ko-KR" b="1" dirty="0"/>
+                        <a:t>…</a:t>
+                      </a:r>
+                      <a:endParaRPr lang="ko-KR" altLang="en-US" b="1" dirty="0"/>
+                    </a:p>
+                  </a:txBody>
+                  <a:tcPr anchor="ctr">
+                    <a:solidFill>
+                      <a:schemeClr val="accent1">
+                        <a:lumMod val="20000"/>
+                        <a:lumOff val="80000"/>
+                      </a:schemeClr>
+                    </a:solidFill>
+                  </a:tcPr>
+                </a:tc>
+                <a:extLst>
+                  <a:ext uri="{0D108BD9-81ED-4DB2-BD59-A6C34878D82A}">
+                    <a16:rowId xmlns:a16="http://schemas.microsoft.com/office/drawing/2014/main" val="1968942920"/>
+                  </a:ext>
+                </a:extLst>
+              </a:tr>
+              <a:tr h="882299">
+                <a:tc>
+                  <a:txBody>
+                    <a:bodyPr/>
+                    <a:lstStyle/>
+                    <a:p>
+                      <a:pPr algn="ctr" latinLnBrk="1"/>
+                      <a:r>
+                        <a:rPr lang="ko-KR" altLang="en-US" b="1" dirty="0">
+                          <a:solidFill>
+                            <a:schemeClr val="bg1"/>
+                          </a:solidFill>
+                        </a:rPr>
+                        <a:t>하단영역</a:t>
+                      </a:r>
+                    </a:p>
+                  </a:txBody>
+                  <a:tcPr anchor="ctr">
+                    <a:solidFill>
+                      <a:schemeClr val="tx1">
+                        <a:lumMod val="50000"/>
+                        <a:lumOff val="50000"/>
+                      </a:schemeClr>
+                    </a:solidFill>
+                  </a:tcPr>
+                </a:tc>
+                <a:extLst>
+                  <a:ext uri="{0D108BD9-81ED-4DB2-BD59-A6C34878D82A}">
+                    <a16:rowId xmlns:a16="http://schemas.microsoft.com/office/drawing/2014/main" val="2995325620"/>
+                  </a:ext>
+                </a:extLst>
+              </a:tr>
+            </a:tbl>
+          </a:graphicData>
+        </a:graphic>
+      </p:graphicFrame>
+      <p:sp>
+        <p:nvSpPr>
+          <p:cNvPr id="9" name="내용 개체 틀 2">
+            <a:extLst>
+              <a:ext uri="{FF2B5EF4-FFF2-40B4-BE49-F238E27FC236}">
+                <a16:creationId xmlns:a16="http://schemas.microsoft.com/office/drawing/2014/main" id="{917B355D-C9D4-4A0F-A5C7-AE8DD09F6CAB}"/>
+              </a:ext>
+            </a:extLst>
+          </p:cNvPr>
+          <p:cNvSpPr txBox="1">
+            <a:spLocks/>
+          </p:cNvSpPr>
+          <p:nvPr/>
+        </p:nvSpPr>
+        <p:spPr>
+          <a:xfrm>
+            <a:off x="7603014" y="6140597"/>
+            <a:ext cx="1171024" cy="411115"/>
+          </a:xfrm>
+          <a:prstGeom prst="rect">
+            <a:avLst/>
+          </a:prstGeom>
+        </p:spPr>
+        <p:txBody>
+          <a:bodyPr vert="horz" lIns="91440" tIns="45720" rIns="91440" bIns="45720" rtlCol="0">
+            <a:noAutofit/>
+          </a:bodyPr>
+          <a:lstStyle>
+            <a:lvl1pPr marL="384048" indent="-384048" algn="l" defTabSz="914400" rtl="0" eaLnBrk="1" latinLnBrk="1" hangingPunct="1">
+              <a:lnSpc>
+                <a:spcPct val="94000"/>
+              </a:lnSpc>
+              <a:spcBef>
+                <a:spcPts val="1000"/>
+              </a:spcBef>
+              <a:spcAft>
+                <a:spcPts val="200"/>
+              </a:spcAft>
+              <a:buFont typeface="Franklin Gothic Book" panose="020B0503020102020204" pitchFamily="34" charset="0"/>
+              <a:buChar char="■"/>
+              <a:defRPr sz="2000" kern="1200" baseline="0">
+                <a:solidFill>
+                  <a:schemeClr val="tx2"/>
+                </a:solidFill>
+                <a:latin typeface="+mn-lt"/>
+                <a:ea typeface="+mn-ea"/>
+                <a:cs typeface="+mn-cs"/>
+              </a:defRPr>
+            </a:lvl1pPr>
+            <a:lvl2pPr marL="914400" indent="-384048" algn="l" defTabSz="914400" rtl="0" eaLnBrk="1" latinLnBrk="1" hangingPunct="1">
+              <a:lnSpc>
+                <a:spcPct val="94000"/>
+              </a:lnSpc>
+              <a:spcBef>
+                <a:spcPts val="500"/>
+              </a:spcBef>
+              <a:spcAft>
+                <a:spcPts val="200"/>
+              </a:spcAft>
+              <a:buFont typeface="Franklin Gothic Book" panose="020B0503020102020204" pitchFamily="34" charset="0"/>
+              <a:buChar char="–"/>
+              <a:defRPr sz="2000" i="1" kern="1200" baseline="0">
+                <a:solidFill>
+                  <a:schemeClr val="tx2"/>
+                </a:solidFill>
+                <a:latin typeface="+mn-lt"/>
+                <a:ea typeface="+mn-ea"/>
+                <a:cs typeface="+mn-cs"/>
+              </a:defRPr>
+            </a:lvl2pPr>
+            <a:lvl3pPr marL="1371600" indent="-384048" algn="l" defTabSz="914400" rtl="0" eaLnBrk="1" latinLnBrk="1" hangingPunct="1">
+              <a:lnSpc>
+                <a:spcPct val="94000"/>
+              </a:lnSpc>
+              <a:spcBef>
+                <a:spcPts val="500"/>
+              </a:spcBef>
+              <a:spcAft>
+                <a:spcPts val="200"/>
+              </a:spcAft>
+              <a:buFont typeface="Franklin Gothic Book" panose="020B0503020102020204" pitchFamily="34" charset="0"/>
+              <a:buChar char="■"/>
+              <a:defRPr sz="1800" kern="1200" baseline="0">
+                <a:solidFill>
+                  <a:schemeClr val="tx2"/>
+                </a:solidFill>
+                <a:latin typeface="+mn-lt"/>
+                <a:ea typeface="+mn-ea"/>
+                <a:cs typeface="+mn-cs"/>
+              </a:defRPr>
+            </a:lvl3pPr>
+            <a:lvl4pPr marL="1828800" indent="-384048" algn="l" defTabSz="914400" rtl="0" eaLnBrk="1" latinLnBrk="1" hangingPunct="1">
+              <a:lnSpc>
+                <a:spcPct val="94000"/>
+              </a:lnSpc>
+              <a:spcBef>
+                <a:spcPts val="500"/>
+              </a:spcBef>
+              <a:spcAft>
+                <a:spcPts val="200"/>
+              </a:spcAft>
+              <a:buFont typeface="Franklin Gothic Book" panose="020B0503020102020204" pitchFamily="34" charset="0"/>
+              <a:buChar char="–"/>
+              <a:defRPr sz="1800" i="1" kern="1200" baseline="0">
+                <a:solidFill>
+                  <a:schemeClr val="tx2"/>
+                </a:solidFill>
+                <a:latin typeface="+mn-lt"/>
+                <a:ea typeface="+mn-ea"/>
+                <a:cs typeface="+mn-cs"/>
+              </a:defRPr>
+            </a:lvl4pPr>
+            <a:lvl5pPr marL="2286000" indent="-384048" algn="l" defTabSz="914400" rtl="0" eaLnBrk="1" latinLnBrk="1" hangingPunct="1">
+              <a:lnSpc>
+                <a:spcPct val="94000"/>
+              </a:lnSpc>
+              <a:spcBef>
+                <a:spcPts val="500"/>
+              </a:spcBef>
+              <a:spcAft>
+                <a:spcPts val="200"/>
+              </a:spcAft>
+              <a:buFont typeface="Franklin Gothic Book" panose="020B0503020102020204" pitchFamily="34" charset="0"/>
+              <a:buChar char="■"/>
+              <a:defRPr sz="1600" kern="1200" baseline="0">
+                <a:solidFill>
+                  <a:schemeClr val="tx2"/>
+                </a:solidFill>
+                <a:latin typeface="+mn-lt"/>
+                <a:ea typeface="+mn-ea"/>
+                <a:cs typeface="+mn-cs"/>
+              </a:defRPr>
+            </a:lvl5pPr>
+            <a:lvl6pPr marL="2743200" indent="-384048" algn="l" defTabSz="914400" rtl="0" eaLnBrk="1" latinLnBrk="1" hangingPunct="1">
+              <a:lnSpc>
+                <a:spcPct val="94000"/>
+              </a:lnSpc>
+              <a:spcBef>
+                <a:spcPts val="500"/>
+              </a:spcBef>
+              <a:spcAft>
+                <a:spcPts val="200"/>
+              </a:spcAft>
+              <a:buFont typeface="Franklin Gothic Book" panose="020B0503020102020204" pitchFamily="34" charset="0"/>
+              <a:buChar char="–"/>
+              <a:defRPr sz="1600" i="1" kern="1200" baseline="0">
+                <a:solidFill>
+                  <a:schemeClr val="tx2"/>
+                </a:solidFill>
+                <a:latin typeface="+mn-lt"/>
+                <a:ea typeface="+mn-ea"/>
+                <a:cs typeface="+mn-cs"/>
+              </a:defRPr>
+            </a:lvl6pPr>
+            <a:lvl7pPr marL="3200400" indent="-384048" algn="l" defTabSz="914400" rtl="0" eaLnBrk="1" latinLnBrk="1" hangingPunct="1">
+              <a:lnSpc>
+                <a:spcPct val="94000"/>
+              </a:lnSpc>
+              <a:spcBef>
+                <a:spcPts val="500"/>
+              </a:spcBef>
+              <a:spcAft>
+                <a:spcPts val="200"/>
+              </a:spcAft>
+              <a:buFont typeface="Franklin Gothic Book" panose="020B0503020102020204" pitchFamily="34" charset="0"/>
+              <a:buChar char="■"/>
+              <a:defRPr sz="1400" kern="1200" baseline="0">
+                <a:solidFill>
+                  <a:schemeClr val="tx2"/>
+                </a:solidFill>
+                <a:latin typeface="+mn-lt"/>
+                <a:ea typeface="+mn-ea"/>
+                <a:cs typeface="+mn-cs"/>
+              </a:defRPr>
+            </a:lvl7pPr>
+            <a:lvl8pPr marL="3657600" indent="-384048" algn="l" defTabSz="914400" rtl="0" eaLnBrk="1" latinLnBrk="1" hangingPunct="1">
+              <a:lnSpc>
+                <a:spcPct val="94000"/>
+              </a:lnSpc>
+              <a:spcBef>
+                <a:spcPts val="500"/>
+              </a:spcBef>
+              <a:spcAft>
+                <a:spcPts val="200"/>
+              </a:spcAft>
+              <a:buFont typeface="Franklin Gothic Book" panose="020B0503020102020204" pitchFamily="34" charset="0"/>
+              <a:buChar char="–"/>
+              <a:defRPr sz="1400" i="1" kern="1200" baseline="0">
+                <a:solidFill>
+                  <a:schemeClr val="tx2"/>
+                </a:solidFill>
+                <a:latin typeface="+mn-lt"/>
+                <a:ea typeface="+mn-ea"/>
+                <a:cs typeface="+mn-cs"/>
+              </a:defRPr>
+            </a:lvl8pPr>
+            <a:lvl9pPr marL="4114800" indent="-384048" algn="l" defTabSz="914400" rtl="0" eaLnBrk="1" latinLnBrk="1" hangingPunct="1">
+              <a:lnSpc>
+                <a:spcPct val="94000"/>
+              </a:lnSpc>
+              <a:spcBef>
+                <a:spcPts val="500"/>
+              </a:spcBef>
+              <a:spcAft>
+                <a:spcPts val="200"/>
+              </a:spcAft>
+              <a:buFont typeface="Franklin Gothic Book" panose="020B0503020102020204" pitchFamily="34" charset="0"/>
+              <a:buChar char="■"/>
+              <a:defRPr sz="1400" kern="1200" baseline="0">
+                <a:solidFill>
+                  <a:schemeClr val="tx2"/>
+                </a:solidFill>
+                <a:latin typeface="+mn-lt"/>
+                <a:ea typeface="+mn-ea"/>
+                <a:cs typeface="+mn-cs"/>
+              </a:defRPr>
+            </a:lvl9pPr>
+          </a:lstStyle>
+          <a:p>
+            <a:pPr marL="0" indent="0">
+              <a:lnSpc>
+                <a:spcPct val="200000"/>
+              </a:lnSpc>
+              <a:buNone/>
+            </a:pPr>
+            <a:r>
+              <a:rPr lang="ko-KR" altLang="en-US" sz="1600" b="1" dirty="0"/>
+              <a:t>기본구성</a:t>
+            </a:r>
+            <a:endParaRPr lang="ko-KR" altLang="en-US" dirty="0"/>
+          </a:p>
+        </p:txBody>
+      </p:sp>
     </p:spTree>
     <p:extLst>
       <p:ext uri="{BB962C8B-B14F-4D97-AF65-F5344CB8AC3E}">

--- a/001/가이드문서/Assuretee.pptx
+++ b/001/가이드문서/Assuretee.pptx
@@ -13,6 +13,7 @@
     <p:sldId id="259" r:id="rId7"/>
     <p:sldId id="260" r:id="rId8"/>
     <p:sldId id="261" r:id="rId9"/>
+    <p:sldId id="263" r:id="rId10"/>
   </p:sldIdLst>
   <p:sldSz cx="12192000" cy="6858000"/>
   <p:notesSz cx="6858000" cy="9144000"/>
@@ -9940,6 +9941,121 @@
     <p:extLst>
       <p:ext uri="{BB962C8B-B14F-4D97-AF65-F5344CB8AC3E}">
         <p14:creationId xmlns:p14="http://schemas.microsoft.com/office/powerpoint/2010/main" val="4133213828"/>
+      </p:ext>
+    </p:extLst>
+  </p:cSld>
+  <p:clrMapOvr>
+    <a:masterClrMapping/>
+  </p:clrMapOvr>
+</p:sld>
+</file>
+
+<file path=ppt/slides/slide8.xml><?xml version="1.0" encoding="utf-8"?>
+<p:sld xmlns:a="http://schemas.openxmlformats.org/drawingml/2006/main" xmlns:r="http://schemas.openxmlformats.org/officeDocument/2006/relationships" xmlns:p="http://schemas.openxmlformats.org/presentationml/2006/main">
+  <p:cSld>
+    <p:spTree>
+      <p:nvGrpSpPr>
+        <p:cNvPr id="1" name=""/>
+        <p:cNvGrpSpPr/>
+        <p:nvPr/>
+      </p:nvGrpSpPr>
+      <p:grpSpPr>
+        <a:xfrm>
+          <a:off x="0" y="0"/>
+          <a:ext cx="0" cy="0"/>
+          <a:chOff x="0" y="0"/>
+          <a:chExt cx="0" cy="0"/>
+        </a:xfrm>
+      </p:grpSpPr>
+      <p:sp>
+        <p:nvSpPr>
+          <p:cNvPr id="2" name="제목 1">
+            <a:extLst>
+              <a:ext uri="{FF2B5EF4-FFF2-40B4-BE49-F238E27FC236}">
+                <a16:creationId xmlns:a16="http://schemas.microsoft.com/office/drawing/2014/main" id="{38C422C7-55B0-454F-B5BC-20608BE30082}"/>
+              </a:ext>
+            </a:extLst>
+          </p:cNvPr>
+          <p:cNvSpPr>
+            <a:spLocks noGrp="1"/>
+          </p:cNvSpPr>
+          <p:nvPr>
+            <p:ph type="title"/>
+          </p:nvPr>
+        </p:nvSpPr>
+        <p:spPr>
+          <a:xfrm>
+            <a:off x="1371600" y="743768"/>
+            <a:ext cx="9601200" cy="1485900"/>
+          </a:xfrm>
+        </p:spPr>
+        <p:txBody>
+          <a:bodyPr/>
+          <a:lstStyle/>
+          <a:p>
+            <a:r>
+              <a:rPr lang="en-US" altLang="ko-KR" b="1" dirty="0">
+                <a:latin typeface="맑은 고딕" panose="020B0503020000020004" pitchFamily="50" charset="-127"/>
+                <a:ea typeface="맑은 고딕" panose="020B0503020000020004" pitchFamily="50" charset="-127"/>
+              </a:rPr>
+              <a:t>6. W3C </a:t>
+            </a:r>
+            <a:r>
+              <a:rPr lang="ko-KR" altLang="en-US" b="1" dirty="0" err="1">
+                <a:latin typeface="맑은 고딕" panose="020B0503020000020004" pitchFamily="50" charset="-127"/>
+                <a:ea typeface="맑은 고딕" panose="020B0503020000020004" pitchFamily="50" charset="-127"/>
+              </a:rPr>
+              <a:t>웹표준</a:t>
+            </a:r>
+            <a:r>
+              <a:rPr lang="ko-KR" altLang="en-US" b="1" dirty="0">
+                <a:latin typeface="맑은 고딕" panose="020B0503020000020004" pitchFamily="50" charset="-127"/>
+                <a:ea typeface="맑은 고딕" panose="020B0503020000020004" pitchFamily="50" charset="-127"/>
+              </a:rPr>
+              <a:t> 마크업 검사</a:t>
+            </a:r>
+          </a:p>
+        </p:txBody>
+      </p:sp>
+      <p:pic>
+        <p:nvPicPr>
+          <p:cNvPr id="13" name="내용 개체 틀 12">
+            <a:extLst>
+              <a:ext uri="{FF2B5EF4-FFF2-40B4-BE49-F238E27FC236}">
+                <a16:creationId xmlns:a16="http://schemas.microsoft.com/office/drawing/2014/main" id="{0E0D0CC1-E4B0-4E68-9576-CF8C1E5D65A3}"/>
+              </a:ext>
+            </a:extLst>
+          </p:cNvPr>
+          <p:cNvPicPr>
+            <a:picLocks noGrp="1" noChangeAspect="1"/>
+          </p:cNvPicPr>
+          <p:nvPr>
+            <p:ph idx="1"/>
+          </p:nvPr>
+        </p:nvPicPr>
+        <p:blipFill>
+          <a:blip r:embed="rId2">
+            <a:extLst>
+              <a:ext uri="{28A0092B-C50C-407E-A947-70E740481C1C}">
+                <a14:useLocalDpi xmlns:a14="http://schemas.microsoft.com/office/drawing/2010/main" val="0"/>
+              </a:ext>
+            </a:extLst>
+          </a:blip>
+          <a:stretch>
+            <a:fillRect/>
+          </a:stretch>
+        </p:blipFill>
+        <p:spPr>
+          <a:xfrm>
+            <a:off x="1371600" y="1638300"/>
+            <a:ext cx="7973736" cy="4857988"/>
+          </a:xfrm>
+        </p:spPr>
+      </p:pic>
+    </p:spTree>
+    <p:extLst>
+      <p:ext uri="{BB962C8B-B14F-4D97-AF65-F5344CB8AC3E}">
+        <p14:creationId xmlns:p14="http://schemas.microsoft.com/office/powerpoint/2010/main" val="137796608"/>
       </p:ext>
     </p:extLst>
   </p:cSld>

--- a/001/가이드문서/Assuretee.pptx
+++ b/001/가이드문서/Assuretee.pptx
@@ -10019,10 +10019,10 @@
       </p:sp>
       <p:pic>
         <p:nvPicPr>
-          <p:cNvPr id="13" name="내용 개체 틀 12">
+          <p:cNvPr id="6" name="내용 개체 틀 5">
             <a:extLst>
               <a:ext uri="{FF2B5EF4-FFF2-40B4-BE49-F238E27FC236}">
-                <a16:creationId xmlns:a16="http://schemas.microsoft.com/office/drawing/2014/main" id="{0E0D0CC1-E4B0-4E68-9576-CF8C1E5D65A3}"/>
+                <a16:creationId xmlns:a16="http://schemas.microsoft.com/office/drawing/2014/main" id="{DC827C33-EA44-4A56-BA0D-1CDB0FE27606}"/>
               </a:ext>
             </a:extLst>
           </p:cNvPr>
@@ -10047,8 +10047,8 @@
         </p:blipFill>
         <p:spPr>
           <a:xfrm>
-            <a:off x="1371600" y="1638300"/>
-            <a:ext cx="7973736" cy="4857988"/>
+            <a:off x="2193722" y="1596354"/>
+            <a:ext cx="4886587" cy="4970425"/>
           </a:xfrm>
         </p:spPr>
       </p:pic>

--- a/001/가이드문서/Assuretee.pptx
+++ b/001/가이드문서/Assuretee.pptx
@@ -7440,7 +7440,7 @@
           <p:nvPr>
             <p:extLst>
               <p:ext uri="{D42A27DB-BD31-4B8C-83A1-F6EECF244321}">
-                <p14:modId xmlns:p14="http://schemas.microsoft.com/office/powerpoint/2010/main" val="1912778748"/>
+                <p14:modId xmlns:p14="http://schemas.microsoft.com/office/powerpoint/2010/main" val="4024229523"/>
               </p:ext>
             </p:extLst>
           </p:nvPr>
@@ -7483,7 +7483,7 @@
                           <a:latin typeface="맑은 고딕" panose="020B0503020000020004" pitchFamily="50" charset="-127"/>
                           <a:ea typeface="맑은 고딕" panose="020B0503020000020004" pitchFamily="50" charset="-127"/>
                         </a:rPr>
-                        <a:t>참여도</a:t>
+                        <a:t>프로젝트 참여자</a:t>
                       </a:r>
                     </a:p>
                   </a:txBody>
@@ -7541,13 +7541,34 @@
                     <a:p>
                       <a:pPr algn="ctr" latinLnBrk="1"/>
                       <a:r>
+                        <a:rPr lang="ko-KR" altLang="en-US" dirty="0" err="1">
+                          <a:latin typeface="맑은 고딕" panose="020B0503020000020004" pitchFamily="50" charset="-127"/>
+                          <a:ea typeface="맑은 고딕" panose="020B0503020000020004" pitchFamily="50" charset="-127"/>
+                        </a:rPr>
+                        <a:t>장규민</a:t>
+                      </a:r>
+                      <a:r>
+                        <a:rPr lang="ko-KR" altLang="en-US" dirty="0">
+                          <a:latin typeface="맑은 고딕" panose="020B0503020000020004" pitchFamily="50" charset="-127"/>
+                          <a:ea typeface="맑은 고딕" panose="020B0503020000020004" pitchFamily="50" charset="-127"/>
+                        </a:rPr>
+                        <a:t> 등 </a:t>
+                      </a:r>
+                      <a:r>
                         <a:rPr lang="en-US" altLang="ko-KR" dirty="0">
                           <a:latin typeface="맑은 고딕" panose="020B0503020000020004" pitchFamily="50" charset="-127"/>
                           <a:ea typeface="맑은 고딕" panose="020B0503020000020004" pitchFamily="50" charset="-127"/>
                         </a:rPr>
-                        <a:t>100%</a:t>
+                        <a:t>1</a:t>
                       </a:r>
-                      <a:endParaRPr lang="ko-KR" altLang="en-US" dirty="0">
+                      <a:r>
+                        <a:rPr lang="ko-KR" altLang="en-US" dirty="0">
+                          <a:latin typeface="맑은 고딕" panose="020B0503020000020004" pitchFamily="50" charset="-127"/>
+                          <a:ea typeface="맑은 고딕" panose="020B0503020000020004" pitchFamily="50" charset="-127"/>
+                        </a:rPr>
+                        <a:t>명</a:t>
+                      </a:r>
+                      <a:endParaRPr lang="en-US" altLang="ko-KR" dirty="0">
                         <a:latin typeface="맑은 고딕" panose="020B0503020000020004" pitchFamily="50" charset="-127"/>
                         <a:ea typeface="맑은 고딕" panose="020B0503020000020004" pitchFamily="50" charset="-127"/>
                       </a:endParaRPr>

--- a/001/가이드문서/Assuretee.pptx
+++ b/001/가이드문서/Assuretee.pptx
@@ -10068,8 +10068,8 @@
         </p:blipFill>
         <p:spPr>
           <a:xfrm>
-            <a:off x="2193722" y="1596354"/>
-            <a:ext cx="4886587" cy="4970425"/>
+            <a:off x="2009164" y="1486718"/>
+            <a:ext cx="5733875" cy="4970425"/>
           </a:xfrm>
         </p:spPr>
       </p:pic>

--- a/001/가이드문서/Assuretee.pptx
+++ b/001/가이드문서/Assuretee.pptx
@@ -14,6 +14,7 @@
     <p:sldId id="260" r:id="rId8"/>
     <p:sldId id="261" r:id="rId9"/>
     <p:sldId id="263" r:id="rId10"/>
+    <p:sldId id="264" r:id="rId11"/>
   </p:sldIdLst>
   <p:sldSz cx="12192000" cy="6858000"/>
   <p:notesSz cx="6858000" cy="9144000"/>
@@ -262,7 +263,7 @@
           <a:p>
             <a:fld id="{49A323E3-AF48-4C00-8436-92C82159441B}" type="datetimeFigureOut">
               <a:rPr lang="ko-KR" altLang="en-US" smtClean="0"/>
-              <a:t>2022-08-09</a:t>
+              <a:t>2022-09-14</a:t>
             </a:fld>
             <a:endParaRPr lang="ko-KR" altLang="en-US"/>
           </a:p>
@@ -432,7 +433,7 @@
           <a:p>
             <a:fld id="{49A323E3-AF48-4C00-8436-92C82159441B}" type="datetimeFigureOut">
               <a:rPr lang="ko-KR" altLang="en-US" smtClean="0"/>
-              <a:t>2022-08-09</a:t>
+              <a:t>2022-09-14</a:t>
             </a:fld>
             <a:endParaRPr lang="ko-KR" altLang="en-US"/>
           </a:p>
@@ -612,7 +613,7 @@
           <a:p>
             <a:fld id="{49A323E3-AF48-4C00-8436-92C82159441B}" type="datetimeFigureOut">
               <a:rPr lang="ko-KR" altLang="en-US" smtClean="0"/>
-              <a:t>2022-08-09</a:t>
+              <a:t>2022-09-14</a:t>
             </a:fld>
             <a:endParaRPr lang="ko-KR" altLang="en-US"/>
           </a:p>
@@ -842,7 +843,7 @@
           <a:p>
             <a:fld id="{49A323E3-AF48-4C00-8436-92C82159441B}" type="datetimeFigureOut">
               <a:rPr lang="ko-KR" altLang="en-US" smtClean="0"/>
-              <a:t>2022-08-09</a:t>
+              <a:t>2022-09-14</a:t>
             </a:fld>
             <a:endParaRPr lang="ko-KR" altLang="en-US"/>
           </a:p>
@@ -1167,7 +1168,7 @@
           <a:p>
             <a:fld id="{49A323E3-AF48-4C00-8436-92C82159441B}" type="datetimeFigureOut">
               <a:rPr lang="ko-KR" altLang="en-US" smtClean="0"/>
-              <a:t>2022-08-09</a:t>
+              <a:t>2022-09-14</a:t>
             </a:fld>
             <a:endParaRPr lang="ko-KR" altLang="en-US"/>
           </a:p>
@@ -1444,7 +1445,7 @@
           <a:p>
             <a:fld id="{49A323E3-AF48-4C00-8436-92C82159441B}" type="datetimeFigureOut">
               <a:rPr lang="ko-KR" altLang="en-US" smtClean="0"/>
-              <a:t>2022-08-09</a:t>
+              <a:t>2022-09-14</a:t>
             </a:fld>
             <a:endParaRPr lang="ko-KR" altLang="en-US"/>
           </a:p>
@@ -1838,7 +1839,7 @@
           <a:p>
             <a:fld id="{49A323E3-AF48-4C00-8436-92C82159441B}" type="datetimeFigureOut">
               <a:rPr lang="ko-KR" altLang="en-US" smtClean="0"/>
-              <a:t>2022-08-09</a:t>
+              <a:t>2022-09-14</a:t>
             </a:fld>
             <a:endParaRPr lang="ko-KR" altLang="en-US"/>
           </a:p>
@@ -2315,7 +2316,7 @@
           <a:p>
             <a:fld id="{49A323E3-AF48-4C00-8436-92C82159441B}" type="datetimeFigureOut">
               <a:rPr lang="ko-KR" altLang="en-US" smtClean="0"/>
-              <a:t>2022-08-09</a:t>
+              <a:t>2022-09-14</a:t>
             </a:fld>
             <a:endParaRPr lang="ko-KR" altLang="en-US"/>
           </a:p>
@@ -2433,7 +2434,7 @@
           <a:p>
             <a:fld id="{49A323E3-AF48-4C00-8436-92C82159441B}" type="datetimeFigureOut">
               <a:rPr lang="ko-KR" altLang="en-US" smtClean="0"/>
-              <a:t>2022-08-09</a:t>
+              <a:t>2022-09-14</a:t>
             </a:fld>
             <a:endParaRPr lang="ko-KR" altLang="en-US"/>
           </a:p>
@@ -2528,7 +2529,7 @@
           <a:p>
             <a:fld id="{49A323E3-AF48-4C00-8436-92C82159441B}" type="datetimeFigureOut">
               <a:rPr lang="ko-KR" altLang="en-US" smtClean="0"/>
-              <a:t>2022-08-09</a:t>
+              <a:t>2022-09-14</a:t>
             </a:fld>
             <a:endParaRPr lang="ko-KR" altLang="en-US"/>
           </a:p>
@@ -2874,7 +2875,7 @@
           <a:p>
             <a:fld id="{49A323E3-AF48-4C00-8436-92C82159441B}" type="datetimeFigureOut">
               <a:rPr lang="ko-KR" altLang="en-US" smtClean="0"/>
-              <a:t>2022-08-09</a:t>
+              <a:t>2022-09-14</a:t>
             </a:fld>
             <a:endParaRPr lang="ko-KR" altLang="en-US"/>
           </a:p>
@@ -3108,7 +3109,7 @@
           <a:p>
             <a:fld id="{49A323E3-AF48-4C00-8436-92C82159441B}" type="datetimeFigureOut">
               <a:rPr lang="ko-KR" altLang="en-US" smtClean="0"/>
-              <a:t>2022-08-09</a:t>
+              <a:t>2022-09-14</a:t>
             </a:fld>
             <a:endParaRPr lang="ko-KR" altLang="en-US"/>
           </a:p>
@@ -3432,7 +3433,7 @@
           <a:p>
             <a:fld id="{49A323E3-AF48-4C00-8436-92C82159441B}" type="datetimeFigureOut">
               <a:rPr lang="ko-KR" altLang="en-US" smtClean="0"/>
-              <a:t>2022-08-09</a:t>
+              <a:t>2022-09-14</a:t>
             </a:fld>
             <a:endParaRPr lang="ko-KR" altLang="en-US"/>
           </a:p>
@@ -3671,7 +3672,7 @@
           <a:p>
             <a:fld id="{49A323E3-AF48-4C00-8436-92C82159441B}" type="datetimeFigureOut">
               <a:rPr lang="ko-KR" altLang="en-US" smtClean="0"/>
-              <a:t>2022-08-09</a:t>
+              <a:t>2022-09-14</a:t>
             </a:fld>
             <a:endParaRPr lang="ko-KR" altLang="en-US"/>
           </a:p>
@@ -3851,7 +3852,7 @@
           <a:p>
             <a:fld id="{49A323E3-AF48-4C00-8436-92C82159441B}" type="datetimeFigureOut">
               <a:rPr lang="ko-KR" altLang="en-US" smtClean="0"/>
-              <a:t>2022-08-09</a:t>
+              <a:t>2022-09-14</a:t>
             </a:fld>
             <a:endParaRPr lang="ko-KR" altLang="en-US"/>
           </a:p>
@@ -4102,7 +4103,7 @@
           <a:p>
             <a:fld id="{49A323E3-AF48-4C00-8436-92C82159441B}" type="datetimeFigureOut">
               <a:rPr lang="ko-KR" altLang="en-US" smtClean="0"/>
-              <a:t>2022-08-09</a:t>
+              <a:t>2022-09-14</a:t>
             </a:fld>
             <a:endParaRPr lang="ko-KR" altLang="en-US"/>
           </a:p>
@@ -4334,7 +4335,7 @@
           <a:p>
             <a:fld id="{49A323E3-AF48-4C00-8436-92C82159441B}" type="datetimeFigureOut">
               <a:rPr lang="ko-KR" altLang="en-US" smtClean="0"/>
-              <a:t>2022-08-09</a:t>
+              <a:t>2022-09-14</a:t>
             </a:fld>
             <a:endParaRPr lang="ko-KR" altLang="en-US"/>
           </a:p>
@@ -4681,7 +4682,7 @@
           <a:p>
             <a:fld id="{49A323E3-AF48-4C00-8436-92C82159441B}" type="datetimeFigureOut">
               <a:rPr lang="ko-KR" altLang="en-US" smtClean="0"/>
-              <a:t>2022-08-09</a:t>
+              <a:t>2022-09-14</a:t>
             </a:fld>
             <a:endParaRPr lang="ko-KR" altLang="en-US"/>
           </a:p>
@@ -4799,7 +4800,7 @@
           <a:p>
             <a:fld id="{49A323E3-AF48-4C00-8436-92C82159441B}" type="datetimeFigureOut">
               <a:rPr lang="ko-KR" altLang="en-US" smtClean="0"/>
-              <a:t>2022-08-09</a:t>
+              <a:t>2022-09-14</a:t>
             </a:fld>
             <a:endParaRPr lang="ko-KR" altLang="en-US"/>
           </a:p>
@@ -4917,7 +4918,7 @@
           <a:p>
             <a:fld id="{49A323E3-AF48-4C00-8436-92C82159441B}" type="datetimeFigureOut">
               <a:rPr lang="ko-KR" altLang="en-US" smtClean="0"/>
-              <a:t>2022-08-09</a:t>
+              <a:t>2022-09-14</a:t>
             </a:fld>
             <a:endParaRPr lang="ko-KR" altLang="en-US"/>
           </a:p>
@@ -5201,7 +5202,7 @@
           <a:p>
             <a:fld id="{49A323E3-AF48-4C00-8436-92C82159441B}" type="datetimeFigureOut">
               <a:rPr lang="ko-KR" altLang="en-US" smtClean="0"/>
-              <a:t>2022-08-09</a:t>
+              <a:t>2022-09-14</a:t>
             </a:fld>
             <a:endParaRPr lang="ko-KR" altLang="en-US"/>
           </a:p>
@@ -5465,7 +5466,7 @@
           <a:p>
             <a:fld id="{49A323E3-AF48-4C00-8436-92C82159441B}" type="datetimeFigureOut">
               <a:rPr lang="ko-KR" altLang="en-US" smtClean="0"/>
-              <a:t>2022-08-09</a:t>
+              <a:t>2022-09-14</a:t>
             </a:fld>
             <a:endParaRPr lang="ko-KR" altLang="en-US"/>
           </a:p>
@@ -5679,7 +5680,7 @@
           <a:p>
             <a:fld id="{49A323E3-AF48-4C00-8436-92C82159441B}" type="datetimeFigureOut">
               <a:rPr lang="ko-KR" altLang="en-US" smtClean="0"/>
-              <a:t>2022-08-09</a:t>
+              <a:t>2022-09-14</a:t>
             </a:fld>
             <a:endParaRPr lang="ko-KR" altLang="en-US"/>
           </a:p>
@@ -6209,7 +6210,7 @@
           <a:p>
             <a:fld id="{49A323E3-AF48-4C00-8436-92C82159441B}" type="datetimeFigureOut">
               <a:rPr lang="ko-KR" altLang="en-US" smtClean="0"/>
-              <a:t>2022-08-09</a:t>
+              <a:t>2022-09-14</a:t>
             </a:fld>
             <a:endParaRPr lang="ko-KR" altLang="en-US"/>
           </a:p>
@@ -6888,7 +6889,7 @@
         </p:nvSpPr>
         <p:spPr>
           <a:xfrm>
-            <a:off x="1371600" y="1063536"/>
+            <a:off x="1371600" y="541024"/>
             <a:ext cx="9601200" cy="3963800"/>
           </a:xfrm>
         </p:spPr>
@@ -7016,6 +7017,31 @@
                 <a:ea typeface="맑은 고딕" panose="020B0503020000020004" pitchFamily="50" charset="-127"/>
               </a:rPr>
               <a:t>레이아웃</a:t>
+            </a:r>
+            <a:endParaRPr lang="en-US" altLang="ko-KR" dirty="0">
+              <a:latin typeface="맑은 고딕" panose="020B0503020000020004" pitchFamily="50" charset="-127"/>
+              <a:ea typeface="맑은 고딕" panose="020B0503020000020004" pitchFamily="50" charset="-127"/>
+            </a:endParaRPr>
+          </a:p>
+          <a:p>
+            <a:pPr>
+              <a:lnSpc>
+                <a:spcPct val="200000"/>
+              </a:lnSpc>
+            </a:pPr>
+            <a:r>
+              <a:rPr lang="en-US" altLang="ko-KR" dirty="0">
+                <a:latin typeface="맑은 고딕" panose="020B0503020000020004" pitchFamily="50" charset="-127"/>
+                <a:ea typeface="맑은 고딕" panose="020B0503020000020004" pitchFamily="50" charset="-127"/>
+              </a:rPr>
+              <a:t>6. </a:t>
+            </a:r>
+            <a:r>
+              <a:rPr lang="ko-KR" altLang="en-US" dirty="0">
+                <a:latin typeface="맑은 고딕" panose="020B0503020000020004" pitchFamily="50" charset="-127"/>
+                <a:ea typeface="맑은 고딕" panose="020B0503020000020004" pitchFamily="50" charset="-127"/>
+              </a:rPr>
+              <a:t>사이트 구현 링크</a:t>
             </a:r>
           </a:p>
         </p:txBody>
@@ -10077,6 +10103,116 @@
     <p:extLst>
       <p:ext uri="{BB962C8B-B14F-4D97-AF65-F5344CB8AC3E}">
         <p14:creationId xmlns:p14="http://schemas.microsoft.com/office/powerpoint/2010/main" val="137796608"/>
+      </p:ext>
+    </p:extLst>
+  </p:cSld>
+  <p:clrMapOvr>
+    <a:masterClrMapping/>
+  </p:clrMapOvr>
+</p:sld>
+</file>
+
+<file path=ppt/slides/slide9.xml><?xml version="1.0" encoding="utf-8"?>
+<p:sld xmlns:a="http://schemas.openxmlformats.org/drawingml/2006/main" xmlns:r="http://schemas.openxmlformats.org/officeDocument/2006/relationships" xmlns:p="http://schemas.openxmlformats.org/presentationml/2006/main">
+  <p:cSld>
+    <p:spTree>
+      <p:nvGrpSpPr>
+        <p:cNvPr id="1" name=""/>
+        <p:cNvGrpSpPr/>
+        <p:nvPr/>
+      </p:nvGrpSpPr>
+      <p:grpSpPr>
+        <a:xfrm>
+          <a:off x="0" y="0"/>
+          <a:ext cx="0" cy="0"/>
+          <a:chOff x="0" y="0"/>
+          <a:chExt cx="0" cy="0"/>
+        </a:xfrm>
+      </p:grpSpPr>
+      <p:sp>
+        <p:nvSpPr>
+          <p:cNvPr id="2" name="제목 1">
+            <a:extLst>
+              <a:ext uri="{FF2B5EF4-FFF2-40B4-BE49-F238E27FC236}">
+                <a16:creationId xmlns:a16="http://schemas.microsoft.com/office/drawing/2014/main" id="{38C422C7-55B0-454F-B5BC-20608BE30082}"/>
+              </a:ext>
+            </a:extLst>
+          </p:cNvPr>
+          <p:cNvSpPr>
+            <a:spLocks noGrp="1"/>
+          </p:cNvSpPr>
+          <p:nvPr>
+            <p:ph type="title"/>
+          </p:nvPr>
+        </p:nvSpPr>
+        <p:spPr>
+          <a:xfrm>
+            <a:off x="1371600" y="743768"/>
+            <a:ext cx="9601200" cy="1485900"/>
+          </a:xfrm>
+        </p:spPr>
+        <p:txBody>
+          <a:bodyPr/>
+          <a:lstStyle/>
+          <a:p>
+            <a:r>
+              <a:rPr lang="en-US" altLang="ko-KR" b="1" dirty="0">
+                <a:latin typeface="맑은 고딕" panose="020B0503020000020004" pitchFamily="50" charset="-127"/>
+                <a:ea typeface="맑은 고딕" panose="020B0503020000020004" pitchFamily="50" charset="-127"/>
+              </a:rPr>
+              <a:t>7. </a:t>
+            </a:r>
+            <a:r>
+              <a:rPr lang="ko-KR" altLang="en-US" b="1" dirty="0">
+                <a:latin typeface="맑은 고딕" panose="020B0503020000020004" pitchFamily="50" charset="-127"/>
+                <a:ea typeface="맑은 고딕" panose="020B0503020000020004" pitchFamily="50" charset="-127"/>
+              </a:rPr>
+              <a:t>사이트 구현 링크</a:t>
+            </a:r>
+          </a:p>
+        </p:txBody>
+      </p:sp>
+      <p:sp>
+        <p:nvSpPr>
+          <p:cNvPr id="4" name="내용 개체 틀 3">
+            <a:extLst>
+              <a:ext uri="{FF2B5EF4-FFF2-40B4-BE49-F238E27FC236}">
+                <a16:creationId xmlns:a16="http://schemas.microsoft.com/office/drawing/2014/main" id="{E35FC478-7B98-674A-CCD7-16AB049113B8}"/>
+              </a:ext>
+            </a:extLst>
+          </p:cNvPr>
+          <p:cNvSpPr>
+            <a:spLocks noGrp="1"/>
+          </p:cNvSpPr>
+          <p:nvPr>
+            <p:ph idx="1"/>
+          </p:nvPr>
+        </p:nvSpPr>
+        <p:spPr/>
+        <p:txBody>
+          <a:bodyPr/>
+          <a:lstStyle/>
+          <a:p>
+            <a:r>
+              <a:rPr lang="en-US" altLang="ko-KR" u="sng" dirty="0">
+                <a:solidFill>
+                  <a:srgbClr val="0070C0"/>
+                </a:solidFill>
+              </a:rPr>
+              <a:t>https://jkm0722.github.io/JKM_exec01/001/</a:t>
+            </a:r>
+            <a:endParaRPr lang="ko-KR" altLang="en-US" u="sng" dirty="0">
+              <a:solidFill>
+                <a:srgbClr val="0070C0"/>
+              </a:solidFill>
+            </a:endParaRPr>
+          </a:p>
+        </p:txBody>
+      </p:sp>
+    </p:spTree>
+    <p:extLst>
+      <p:ext uri="{BB962C8B-B14F-4D97-AF65-F5344CB8AC3E}">
+        <p14:creationId xmlns:p14="http://schemas.microsoft.com/office/powerpoint/2010/main" val="531588331"/>
       </p:ext>
     </p:extLst>
   </p:cSld>
